--- a/documentation/Documents/NTT-Gym.pptx
+++ b/documentation/Documents/NTT-Gym.pptx
@@ -10,19 +10,19 @@
     <p:sldId id="261" r:id="rId4"/>
     <p:sldId id="266" r:id="rId5"/>
     <p:sldId id="267" r:id="rId6"/>
-    <p:sldId id="273" r:id="rId7"/>
-    <p:sldId id="272" r:id="rId8"/>
+    <p:sldId id="279" r:id="rId7"/>
+    <p:sldId id="283" r:id="rId8"/>
     <p:sldId id="262" r:id="rId9"/>
     <p:sldId id="271" r:id="rId10"/>
-    <p:sldId id="263" r:id="rId11"/>
-    <p:sldId id="269" r:id="rId12"/>
-    <p:sldId id="264" r:id="rId13"/>
-    <p:sldId id="270" r:id="rId14"/>
+    <p:sldId id="274" r:id="rId11"/>
+    <p:sldId id="275" r:id="rId12"/>
+    <p:sldId id="276" r:id="rId13"/>
+    <p:sldId id="264" r:id="rId14"/>
     <p:sldId id="265" r:id="rId15"/>
     <p:sldId id="268" r:id="rId16"/>
-    <p:sldId id="258" r:id="rId17"/>
-    <p:sldId id="259" r:id="rId18"/>
-    <p:sldId id="260" r:id="rId19"/>
+    <p:sldId id="280" r:id="rId17"/>
+    <p:sldId id="281" r:id="rId18"/>
+    <p:sldId id="282" r:id="rId19"/>
   </p:sldIdLst>
   <p:sldSz cx="9144000" cy="6858000" type="screen4x3"/>
   <p:notesSz cx="6858000" cy="9144000"/>
@@ -305,7 +305,7 @@
           <a:p>
             <a:fld id="{0076DFDE-431F-4C15-A8CF-2A6FE83E01CE}" type="datetimeFigureOut">
               <a:rPr lang="en-US" smtClean="0"/>
-              <a:t>1/13/2018</a:t>
+              <a:t>1/20/2018</a:t>
             </a:fld>
             <a:endParaRPr lang="en-US"/>
           </a:p>
@@ -475,7 +475,7 @@
           <a:p>
             <a:fld id="{0076DFDE-431F-4C15-A8CF-2A6FE83E01CE}" type="datetimeFigureOut">
               <a:rPr lang="en-US" smtClean="0"/>
-              <a:t>1/13/2018</a:t>
+              <a:t>1/20/2018</a:t>
             </a:fld>
             <a:endParaRPr lang="en-US"/>
           </a:p>
@@ -655,7 +655,7 @@
           <a:p>
             <a:fld id="{0076DFDE-431F-4C15-A8CF-2A6FE83E01CE}" type="datetimeFigureOut">
               <a:rPr lang="en-US" smtClean="0"/>
-              <a:t>1/13/2018</a:t>
+              <a:t>1/20/2018</a:t>
             </a:fld>
             <a:endParaRPr lang="en-US"/>
           </a:p>
@@ -825,7 +825,7 @@
           <a:p>
             <a:fld id="{0076DFDE-431F-4C15-A8CF-2A6FE83E01CE}" type="datetimeFigureOut">
               <a:rPr lang="en-US" smtClean="0"/>
-              <a:t>1/13/2018</a:t>
+              <a:t>1/20/2018</a:t>
             </a:fld>
             <a:endParaRPr lang="en-US"/>
           </a:p>
@@ -1071,7 +1071,7 @@
           <a:p>
             <a:fld id="{0076DFDE-431F-4C15-A8CF-2A6FE83E01CE}" type="datetimeFigureOut">
               <a:rPr lang="en-US" smtClean="0"/>
-              <a:t>1/13/2018</a:t>
+              <a:t>1/20/2018</a:t>
             </a:fld>
             <a:endParaRPr lang="en-US"/>
           </a:p>
@@ -1359,7 +1359,7 @@
           <a:p>
             <a:fld id="{0076DFDE-431F-4C15-A8CF-2A6FE83E01CE}" type="datetimeFigureOut">
               <a:rPr lang="en-US" smtClean="0"/>
-              <a:t>1/13/2018</a:t>
+              <a:t>1/20/2018</a:t>
             </a:fld>
             <a:endParaRPr lang="en-US"/>
           </a:p>
@@ -1781,7 +1781,7 @@
           <a:p>
             <a:fld id="{0076DFDE-431F-4C15-A8CF-2A6FE83E01CE}" type="datetimeFigureOut">
               <a:rPr lang="en-US" smtClean="0"/>
-              <a:t>1/13/2018</a:t>
+              <a:t>1/20/2018</a:t>
             </a:fld>
             <a:endParaRPr lang="en-US"/>
           </a:p>
@@ -1899,7 +1899,7 @@
           <a:p>
             <a:fld id="{0076DFDE-431F-4C15-A8CF-2A6FE83E01CE}" type="datetimeFigureOut">
               <a:rPr lang="en-US" smtClean="0"/>
-              <a:t>1/13/2018</a:t>
+              <a:t>1/20/2018</a:t>
             </a:fld>
             <a:endParaRPr lang="en-US"/>
           </a:p>
@@ -1994,7 +1994,7 @@
           <a:p>
             <a:fld id="{0076DFDE-431F-4C15-A8CF-2A6FE83E01CE}" type="datetimeFigureOut">
               <a:rPr lang="en-US" smtClean="0"/>
-              <a:t>1/13/2018</a:t>
+              <a:t>1/20/2018</a:t>
             </a:fld>
             <a:endParaRPr lang="en-US"/>
           </a:p>
@@ -2271,7 +2271,7 @@
           <a:p>
             <a:fld id="{0076DFDE-431F-4C15-A8CF-2A6FE83E01CE}" type="datetimeFigureOut">
               <a:rPr lang="en-US" smtClean="0"/>
-              <a:t>1/13/2018</a:t>
+              <a:t>1/20/2018</a:t>
             </a:fld>
             <a:endParaRPr lang="en-US"/>
           </a:p>
@@ -2524,7 +2524,7 @@
           <a:p>
             <a:fld id="{0076DFDE-431F-4C15-A8CF-2A6FE83E01CE}" type="datetimeFigureOut">
               <a:rPr lang="en-US" smtClean="0"/>
-              <a:t>1/13/2018</a:t>
+              <a:t>1/20/2018</a:t>
             </a:fld>
             <a:endParaRPr lang="en-US"/>
           </a:p>
@@ -2737,7 +2737,7 @@
           <a:p>
             <a:fld id="{0076DFDE-431F-4C15-A8CF-2A6FE83E01CE}" type="datetimeFigureOut">
               <a:rPr lang="en-US" smtClean="0"/>
-              <a:t>1/13/2018</a:t>
+              <a:t>1/20/2018</a:t>
             </a:fld>
             <a:endParaRPr lang="en-US"/>
           </a:p>
@@ -3138,8 +3138,8 @@
         </p:nvSpPr>
         <p:spPr>
           <a:xfrm>
-            <a:off x="381000" y="1219200"/>
-            <a:ext cx="8305800" cy="2212975"/>
+            <a:off x="0" y="0"/>
+            <a:ext cx="7162800" cy="2212975"/>
           </a:xfrm>
         </p:spPr>
         <p:txBody>
@@ -3188,7 +3188,7 @@
         </p:nvSpPr>
         <p:spPr>
           <a:xfrm>
-            <a:off x="2971800" y="2895600"/>
+            <a:off x="1828800" y="1524000"/>
             <a:ext cx="4114800" cy="762000"/>
           </a:xfrm>
         </p:spPr>
@@ -3198,12 +3198,12 @@
           <a:p>
             <a:pPr algn="r"/>
             <a:r>
-              <a:rPr lang="en-US" dirty="0">
+              <a:rPr lang="ro-RO" dirty="0" smtClean="0">
                 <a:solidFill>
                   <a:schemeClr val="tx1"/>
                 </a:solidFill>
               </a:rPr>
-              <a:t>b</a:t>
+              <a:t>T</a:t>
             </a:r>
             <a:r>
               <a:rPr lang="en-US" dirty="0" smtClean="0">
@@ -3211,7 +3211,23 @@
                   <a:schemeClr val="tx1"/>
                 </a:solidFill>
               </a:rPr>
-              <a:t>y the A Team</a:t>
+              <a:t>he A</a:t>
+            </a:r>
+            <a:r>
+              <a:rPr lang="ro-RO" dirty="0">
+                <a:solidFill>
+                  <a:schemeClr val="tx1"/>
+                </a:solidFill>
+              </a:rPr>
+              <a:t> </a:t>
+            </a:r>
+            <a:r>
+              <a:rPr lang="en-US" dirty="0" smtClean="0">
+                <a:solidFill>
+                  <a:schemeClr val="tx1"/>
+                </a:solidFill>
+              </a:rPr>
+              <a:t>Team</a:t>
             </a:r>
             <a:endParaRPr lang="en-US" dirty="0">
               <a:solidFill>
@@ -3242,252 +3258,6 @@
 </file>
 
 <file path=ppt/slides/slide10.xml><?xml version="1.0" encoding="utf-8"?>
-<p:sld xmlns:a="http://schemas.openxmlformats.org/drawingml/2006/main" xmlns:r="http://schemas.openxmlformats.org/officeDocument/2006/relationships" xmlns:p="http://schemas.openxmlformats.org/presentationml/2006/main">
-  <p:cSld>
-    <p:bg>
-      <p:bgPr>
-        <a:blipFill dpi="0" rotWithShape="1">
-          <a:blip r:embed="rId2">
-            <a:lum/>
-          </a:blip>
-          <a:srcRect/>
-          <a:stretch>
-            <a:fillRect l="-22000" r="-22000"/>
-          </a:stretch>
-        </a:blipFill>
-        <a:effectLst/>
-      </p:bgPr>
-    </p:bg>
-    <p:spTree>
-      <p:nvGrpSpPr>
-        <p:cNvPr id="1" name=""/>
-        <p:cNvGrpSpPr/>
-        <p:nvPr/>
-      </p:nvGrpSpPr>
-      <p:grpSpPr>
-        <a:xfrm>
-          <a:off x="0" y="0"/>
-          <a:ext cx="0" cy="0"/>
-          <a:chOff x="0" y="0"/>
-          <a:chExt cx="0" cy="0"/>
-        </a:xfrm>
-      </p:grpSpPr>
-      <p:sp>
-        <p:nvSpPr>
-          <p:cNvPr id="4" name="Rectangle 3"/>
-          <p:cNvSpPr/>
-          <p:nvPr/>
-        </p:nvSpPr>
-        <p:spPr>
-          <a:xfrm>
-            <a:off x="457200" y="0"/>
-            <a:ext cx="2819400" cy="6858000"/>
-          </a:xfrm>
-          <a:prstGeom prst="rect">
-            <a:avLst/>
-          </a:prstGeom>
-          <a:solidFill>
-            <a:schemeClr val="tx2">
-              <a:lumMod val="75000"/>
-              <a:alpha val="80000"/>
-            </a:schemeClr>
-          </a:solidFill>
-          <a:ln>
-            <a:noFill/>
-          </a:ln>
-        </p:spPr>
-        <p:style>
-          <a:lnRef idx="2">
-            <a:schemeClr val="accent1">
-              <a:shade val="50000"/>
-            </a:schemeClr>
-          </a:lnRef>
-          <a:fillRef idx="1">
-            <a:schemeClr val="accent1"/>
-          </a:fillRef>
-          <a:effectRef idx="0">
-            <a:schemeClr val="accent1"/>
-          </a:effectRef>
-          <a:fontRef idx="minor">
-            <a:schemeClr val="lt1"/>
-          </a:fontRef>
-        </p:style>
-        <p:txBody>
-          <a:bodyPr rtlCol="0" anchor="ctr"/>
-          <a:lstStyle/>
-          <a:p>
-            <a:pPr algn="ctr"/>
-            <a:endParaRPr lang="en-US"/>
-          </a:p>
-        </p:txBody>
-      </p:sp>
-      <p:sp>
-        <p:nvSpPr>
-          <p:cNvPr id="5" name="TextBox 4"/>
-          <p:cNvSpPr txBox="1"/>
-          <p:nvPr/>
-        </p:nvSpPr>
-        <p:spPr>
-          <a:xfrm>
-            <a:off x="571500" y="914400"/>
-            <a:ext cx="2590800" cy="4031873"/>
-          </a:xfrm>
-          <a:prstGeom prst="rect">
-            <a:avLst/>
-          </a:prstGeom>
-          <a:noFill/>
-        </p:spPr>
-        <p:txBody>
-          <a:bodyPr wrap="square" rtlCol="0">
-            <a:spAutoFit/>
-          </a:bodyPr>
-          <a:lstStyle/>
-          <a:p>
-            <a:pPr marL="457200" indent="-457200">
-              <a:buFont typeface="Arial" pitchFamily="34" charset="0"/>
-              <a:buChar char="•"/>
-            </a:pPr>
-            <a:r>
-              <a:rPr lang="en-US" sz="2400" dirty="0" smtClean="0">
-                <a:solidFill>
-                  <a:schemeClr val="bg1"/>
-                </a:solidFill>
-                <a:latin typeface="Times New Roman" pitchFamily="18" charset="0"/>
-                <a:cs typeface="Times New Roman" pitchFamily="18" charset="0"/>
-              </a:rPr>
-              <a:t>Task</a:t>
-            </a:r>
-          </a:p>
-          <a:p>
-            <a:endParaRPr lang="en-US" sz="2400" dirty="0" smtClean="0">
-              <a:solidFill>
-                <a:schemeClr val="bg1"/>
-              </a:solidFill>
-              <a:latin typeface="Times New Roman" pitchFamily="18" charset="0"/>
-              <a:cs typeface="Times New Roman" pitchFamily="18" charset="0"/>
-            </a:endParaRPr>
-          </a:p>
-          <a:p>
-            <a:pPr marL="457200" indent="-457200">
-              <a:buFont typeface="Arial" pitchFamily="34" charset="0"/>
-              <a:buChar char="•"/>
-            </a:pPr>
-            <a:r>
-              <a:rPr lang="en-US" sz="2400" dirty="0" smtClean="0">
-                <a:solidFill>
-                  <a:schemeClr val="bg1"/>
-                </a:solidFill>
-                <a:latin typeface="Times New Roman" pitchFamily="18" charset="0"/>
-                <a:cs typeface="Times New Roman" pitchFamily="18" charset="0"/>
-              </a:rPr>
-              <a:t>Our Approach</a:t>
-            </a:r>
-          </a:p>
-          <a:p>
-            <a:endParaRPr lang="en-US" sz="2400" dirty="0" smtClean="0">
-              <a:solidFill>
-                <a:schemeClr val="bg1"/>
-              </a:solidFill>
-              <a:latin typeface="Times New Roman" pitchFamily="18" charset="0"/>
-              <a:cs typeface="Times New Roman" pitchFamily="18" charset="0"/>
-            </a:endParaRPr>
-          </a:p>
-          <a:p>
-            <a:pPr marL="457200" indent="-457200">
-              <a:buFont typeface="Arial" pitchFamily="34" charset="0"/>
-              <a:buChar char="•"/>
-            </a:pPr>
-            <a:r>
-              <a:rPr lang="en-US" sz="3200" b="1" dirty="0" smtClean="0">
-                <a:solidFill>
-                  <a:schemeClr val="bg1"/>
-                </a:solidFill>
-                <a:latin typeface="Times New Roman" pitchFamily="18" charset="0"/>
-                <a:cs typeface="Times New Roman" pitchFamily="18" charset="0"/>
-              </a:rPr>
-              <a:t>Our Solution</a:t>
-            </a:r>
-          </a:p>
-          <a:p>
-            <a:endParaRPr lang="en-US" sz="2400" dirty="0" smtClean="0">
-              <a:solidFill>
-                <a:schemeClr val="bg1"/>
-              </a:solidFill>
-              <a:latin typeface="Times New Roman" pitchFamily="18" charset="0"/>
-              <a:cs typeface="Times New Roman" pitchFamily="18" charset="0"/>
-            </a:endParaRPr>
-          </a:p>
-          <a:p>
-            <a:pPr marL="457200" indent="-457200">
-              <a:buFont typeface="Arial" pitchFamily="34" charset="0"/>
-              <a:buChar char="•"/>
-            </a:pPr>
-            <a:r>
-              <a:rPr lang="en-US" sz="2400" dirty="0" smtClean="0">
-                <a:solidFill>
-                  <a:schemeClr val="bg1"/>
-                </a:solidFill>
-                <a:latin typeface="Times New Roman" pitchFamily="18" charset="0"/>
-                <a:cs typeface="Times New Roman" pitchFamily="18" charset="0"/>
-              </a:rPr>
-              <a:t>Demo</a:t>
-            </a:r>
-          </a:p>
-          <a:p>
-            <a:endParaRPr lang="en-US" sz="2400" dirty="0" smtClean="0">
-              <a:solidFill>
-                <a:schemeClr val="bg1"/>
-              </a:solidFill>
-              <a:latin typeface="Times New Roman" pitchFamily="18" charset="0"/>
-              <a:cs typeface="Times New Roman" pitchFamily="18" charset="0"/>
-            </a:endParaRPr>
-          </a:p>
-          <a:p>
-            <a:pPr marL="457200" indent="-457200">
-              <a:buFont typeface="Arial" pitchFamily="34" charset="0"/>
-              <a:buChar char="•"/>
-            </a:pPr>
-            <a:r>
-              <a:rPr lang="en-US" sz="2400" dirty="0" smtClean="0">
-                <a:solidFill>
-                  <a:schemeClr val="bg1"/>
-                </a:solidFill>
-                <a:latin typeface="Times New Roman" pitchFamily="18" charset="0"/>
-                <a:cs typeface="Times New Roman" pitchFamily="18" charset="0"/>
-              </a:rPr>
-              <a:t>Summary</a:t>
-            </a:r>
-            <a:endParaRPr lang="en-US" sz="2400" dirty="0">
-              <a:solidFill>
-                <a:schemeClr val="bg1"/>
-              </a:solidFill>
-              <a:latin typeface="Times New Roman" pitchFamily="18" charset="0"/>
-              <a:cs typeface="Times New Roman" pitchFamily="18" charset="0"/>
-            </a:endParaRPr>
-          </a:p>
-        </p:txBody>
-      </p:sp>
-    </p:spTree>
-    <p:extLst>
-      <p:ext uri="{BB962C8B-B14F-4D97-AF65-F5344CB8AC3E}">
-        <p14:creationId xmlns:p14="http://schemas.microsoft.com/office/powerpoint/2010/main" val="2694009937"/>
-      </p:ext>
-    </p:extLst>
-  </p:cSld>
-  <p:clrMapOvr>
-    <a:masterClrMapping/>
-  </p:clrMapOvr>
-  <p:timing>
-    <p:tnLst>
-      <p:par>
-        <p:cTn id="1" dur="indefinite" restart="never" nodeType="tmRoot"/>
-      </p:par>
-    </p:tnLst>
-  </p:timing>
-</p:sld>
-</file>
-
-<file path=ppt/slides/slide11.xml><?xml version="1.0" encoding="utf-8"?>
 <p:sld xmlns:a="http://schemas.openxmlformats.org/drawingml/2006/main" xmlns:r="http://schemas.openxmlformats.org/officeDocument/2006/relationships" xmlns:p="http://schemas.openxmlformats.org/presentationml/2006/main">
   <p:cSld>
     <p:spTree>
@@ -3631,10 +3401,84 @@
           </a:extLst>
         </p:spPr>
       </p:pic>
+      <p:sp>
+        <p:nvSpPr>
+          <p:cNvPr id="2" name="Title 1"/>
+          <p:cNvSpPr>
+            <a:spLocks noGrp="1"/>
+          </p:cNvSpPr>
+          <p:nvPr>
+            <p:ph type="title"/>
+          </p:nvPr>
+        </p:nvSpPr>
+        <p:spPr/>
+        <p:txBody>
+          <a:bodyPr/>
+          <a:lstStyle/>
+          <a:p>
+            <a:r>
+              <a:rPr lang="ro-RO" dirty="0" smtClean="0"/>
+              <a:t>Client Layer</a:t>
+            </a:r>
+            <a:endParaRPr lang="ro-RO" dirty="0"/>
+          </a:p>
+        </p:txBody>
+      </p:sp>
+      <p:sp>
+        <p:nvSpPr>
+          <p:cNvPr id="3" name="Content Placeholder 2"/>
+          <p:cNvSpPr>
+            <a:spLocks noGrp="1"/>
+          </p:cNvSpPr>
+          <p:nvPr>
+            <p:ph idx="1"/>
+          </p:nvPr>
+        </p:nvSpPr>
+        <p:spPr>
+          <a:xfrm>
+            <a:off x="914400" y="1600200"/>
+            <a:ext cx="7772400" cy="4525963"/>
+          </a:xfrm>
+        </p:spPr>
+        <p:txBody>
+          <a:bodyPr/>
+          <a:lstStyle/>
+          <a:p>
+            <a:r>
+              <a:rPr lang="ro-RO" dirty="0" smtClean="0"/>
+              <a:t>Angular 2 Web App</a:t>
+            </a:r>
+          </a:p>
+          <a:p>
+            <a:endParaRPr lang="ro-RO" dirty="0"/>
+          </a:p>
+          <a:p>
+            <a:r>
+              <a:rPr lang="ro-RO" dirty="0" smtClean="0"/>
+              <a:t>Spring REST</a:t>
+            </a:r>
+          </a:p>
+          <a:p>
+            <a:endParaRPr lang="ro-RO" dirty="0"/>
+          </a:p>
+          <a:p>
+            <a:r>
+              <a:rPr lang="ro-RO" dirty="0" smtClean="0"/>
+              <a:t>Spring Security</a:t>
+            </a:r>
+          </a:p>
+          <a:p>
+            <a:endParaRPr lang="ro-RO" dirty="0"/>
+          </a:p>
+          <a:p>
+            <a:endParaRPr lang="ro-RO" dirty="0"/>
+          </a:p>
+        </p:txBody>
+      </p:sp>
     </p:spTree>
     <p:extLst>
       <p:ext uri="{BB962C8B-B14F-4D97-AF65-F5344CB8AC3E}">
-        <p14:creationId xmlns:p14="http://schemas.microsoft.com/office/powerpoint/2010/main" val="1957871137"/>
+        <p14:creationId xmlns:p14="http://schemas.microsoft.com/office/powerpoint/2010/main" val="3692316952"/>
       </p:ext>
     </p:extLst>
   </p:cSld>
@@ -3651,253 +3495,7 @@
 </p:sld>
 </file>
 
-<file path=ppt/slides/slide12.xml><?xml version="1.0" encoding="utf-8"?>
-<p:sld xmlns:a="http://schemas.openxmlformats.org/drawingml/2006/main" xmlns:r="http://schemas.openxmlformats.org/officeDocument/2006/relationships" xmlns:p="http://schemas.openxmlformats.org/presentationml/2006/main">
-  <p:cSld>
-    <p:bg>
-      <p:bgPr>
-        <a:blipFill dpi="0" rotWithShape="1">
-          <a:blip r:embed="rId2">
-            <a:lum/>
-          </a:blip>
-          <a:srcRect/>
-          <a:stretch>
-            <a:fillRect l="-22000" r="-22000"/>
-          </a:stretch>
-        </a:blipFill>
-        <a:effectLst/>
-      </p:bgPr>
-    </p:bg>
-    <p:spTree>
-      <p:nvGrpSpPr>
-        <p:cNvPr id="1" name=""/>
-        <p:cNvGrpSpPr/>
-        <p:nvPr/>
-      </p:nvGrpSpPr>
-      <p:grpSpPr>
-        <a:xfrm>
-          <a:off x="0" y="0"/>
-          <a:ext cx="0" cy="0"/>
-          <a:chOff x="0" y="0"/>
-          <a:chExt cx="0" cy="0"/>
-        </a:xfrm>
-      </p:grpSpPr>
-      <p:sp>
-        <p:nvSpPr>
-          <p:cNvPr id="4" name="Rectangle 3"/>
-          <p:cNvSpPr/>
-          <p:nvPr/>
-        </p:nvSpPr>
-        <p:spPr>
-          <a:xfrm>
-            <a:off x="457200" y="0"/>
-            <a:ext cx="2819400" cy="6858000"/>
-          </a:xfrm>
-          <a:prstGeom prst="rect">
-            <a:avLst/>
-          </a:prstGeom>
-          <a:solidFill>
-            <a:schemeClr val="tx2">
-              <a:lumMod val="75000"/>
-              <a:alpha val="80000"/>
-            </a:schemeClr>
-          </a:solidFill>
-          <a:ln>
-            <a:noFill/>
-          </a:ln>
-        </p:spPr>
-        <p:style>
-          <a:lnRef idx="2">
-            <a:schemeClr val="accent1">
-              <a:shade val="50000"/>
-            </a:schemeClr>
-          </a:lnRef>
-          <a:fillRef idx="1">
-            <a:schemeClr val="accent1"/>
-          </a:fillRef>
-          <a:effectRef idx="0">
-            <a:schemeClr val="accent1"/>
-          </a:effectRef>
-          <a:fontRef idx="minor">
-            <a:schemeClr val="lt1"/>
-          </a:fontRef>
-        </p:style>
-        <p:txBody>
-          <a:bodyPr rtlCol="0" anchor="ctr"/>
-          <a:lstStyle/>
-          <a:p>
-            <a:pPr algn="ctr"/>
-            <a:endParaRPr lang="en-US"/>
-          </a:p>
-        </p:txBody>
-      </p:sp>
-      <p:sp>
-        <p:nvSpPr>
-          <p:cNvPr id="5" name="TextBox 4"/>
-          <p:cNvSpPr txBox="1"/>
-          <p:nvPr/>
-        </p:nvSpPr>
-        <p:spPr>
-          <a:xfrm>
-            <a:off x="571500" y="914400"/>
-            <a:ext cx="2590800" cy="3539430"/>
-          </a:xfrm>
-          <a:prstGeom prst="rect">
-            <a:avLst/>
-          </a:prstGeom>
-          <a:noFill/>
-        </p:spPr>
-        <p:txBody>
-          <a:bodyPr wrap="square" rtlCol="0">
-            <a:spAutoFit/>
-          </a:bodyPr>
-          <a:lstStyle/>
-          <a:p>
-            <a:pPr marL="457200" indent="-457200">
-              <a:buFont typeface="Arial" pitchFamily="34" charset="0"/>
-              <a:buChar char="•"/>
-            </a:pPr>
-            <a:r>
-              <a:rPr lang="en-US" sz="2400" dirty="0" smtClean="0">
-                <a:solidFill>
-                  <a:schemeClr val="bg1"/>
-                </a:solidFill>
-                <a:latin typeface="Times New Roman" pitchFamily="18" charset="0"/>
-                <a:cs typeface="Times New Roman" pitchFamily="18" charset="0"/>
-              </a:rPr>
-              <a:t>Task</a:t>
-            </a:r>
-          </a:p>
-          <a:p>
-            <a:endParaRPr lang="en-US" sz="2400" dirty="0" smtClean="0">
-              <a:solidFill>
-                <a:schemeClr val="bg1"/>
-              </a:solidFill>
-              <a:latin typeface="Times New Roman" pitchFamily="18" charset="0"/>
-              <a:cs typeface="Times New Roman" pitchFamily="18" charset="0"/>
-            </a:endParaRPr>
-          </a:p>
-          <a:p>
-            <a:pPr marL="457200" indent="-457200">
-              <a:buFont typeface="Arial" pitchFamily="34" charset="0"/>
-              <a:buChar char="•"/>
-            </a:pPr>
-            <a:r>
-              <a:rPr lang="en-US" sz="2400" dirty="0" smtClean="0">
-                <a:solidFill>
-                  <a:schemeClr val="bg1"/>
-                </a:solidFill>
-                <a:latin typeface="Times New Roman" pitchFamily="18" charset="0"/>
-                <a:cs typeface="Times New Roman" pitchFamily="18" charset="0"/>
-              </a:rPr>
-              <a:t>Our Approach</a:t>
-            </a:r>
-          </a:p>
-          <a:p>
-            <a:endParaRPr lang="en-US" sz="2400" dirty="0" smtClean="0">
-              <a:solidFill>
-                <a:schemeClr val="bg1"/>
-              </a:solidFill>
-              <a:latin typeface="Times New Roman" pitchFamily="18" charset="0"/>
-              <a:cs typeface="Times New Roman" pitchFamily="18" charset="0"/>
-            </a:endParaRPr>
-          </a:p>
-          <a:p>
-            <a:pPr marL="457200" indent="-457200">
-              <a:buFont typeface="Arial" pitchFamily="34" charset="0"/>
-              <a:buChar char="•"/>
-            </a:pPr>
-            <a:r>
-              <a:rPr lang="en-US" sz="2400" dirty="0" smtClean="0">
-                <a:solidFill>
-                  <a:schemeClr val="bg1"/>
-                </a:solidFill>
-                <a:latin typeface="Times New Roman" pitchFamily="18" charset="0"/>
-                <a:cs typeface="Times New Roman" pitchFamily="18" charset="0"/>
-              </a:rPr>
-              <a:t>Our Solution</a:t>
-            </a:r>
-          </a:p>
-          <a:p>
-            <a:endParaRPr lang="en-US" sz="2400" dirty="0" smtClean="0">
-              <a:solidFill>
-                <a:schemeClr val="bg1"/>
-              </a:solidFill>
-              <a:latin typeface="Times New Roman" pitchFamily="18" charset="0"/>
-              <a:cs typeface="Times New Roman" pitchFamily="18" charset="0"/>
-            </a:endParaRPr>
-          </a:p>
-          <a:p>
-            <a:pPr marL="457200" indent="-457200">
-              <a:buFont typeface="Arial" pitchFamily="34" charset="0"/>
-              <a:buChar char="•"/>
-            </a:pPr>
-            <a:r>
-              <a:rPr lang="en-US" sz="3200" b="1" dirty="0" smtClean="0">
-                <a:solidFill>
-                  <a:schemeClr val="bg1"/>
-                </a:solidFill>
-                <a:latin typeface="Times New Roman" pitchFamily="18" charset="0"/>
-                <a:cs typeface="Times New Roman" pitchFamily="18" charset="0"/>
-              </a:rPr>
-              <a:t>Demo</a:t>
-            </a:r>
-          </a:p>
-          <a:p>
-            <a:endParaRPr lang="en-US" sz="2400" dirty="0" smtClean="0">
-              <a:solidFill>
-                <a:schemeClr val="bg1"/>
-              </a:solidFill>
-              <a:latin typeface="Times New Roman" pitchFamily="18" charset="0"/>
-              <a:cs typeface="Times New Roman" pitchFamily="18" charset="0"/>
-            </a:endParaRPr>
-          </a:p>
-          <a:p>
-            <a:pPr marL="457200" indent="-457200">
-              <a:buFont typeface="Arial" pitchFamily="34" charset="0"/>
-              <a:buChar char="•"/>
-            </a:pPr>
-            <a:r>
-              <a:rPr lang="en-US" sz="2400" dirty="0" smtClean="0">
-                <a:solidFill>
-                  <a:schemeClr val="bg1"/>
-                </a:solidFill>
-                <a:latin typeface="Times New Roman" pitchFamily="18" charset="0"/>
-                <a:cs typeface="Times New Roman" pitchFamily="18" charset="0"/>
-              </a:rPr>
-              <a:t>Summary</a:t>
-            </a:r>
-            <a:endParaRPr lang="en-US" sz="2400" dirty="0">
-              <a:solidFill>
-                <a:schemeClr val="bg1"/>
-              </a:solidFill>
-              <a:latin typeface="Times New Roman" pitchFamily="18" charset="0"/>
-              <a:cs typeface="Times New Roman" pitchFamily="18" charset="0"/>
-            </a:endParaRPr>
-          </a:p>
-        </p:txBody>
-      </p:sp>
-    </p:spTree>
-    <p:extLst>
-      <p:ext uri="{BB962C8B-B14F-4D97-AF65-F5344CB8AC3E}">
-        <p14:creationId xmlns:p14="http://schemas.microsoft.com/office/powerpoint/2010/main" val="456766282"/>
-      </p:ext>
-    </p:extLst>
-  </p:cSld>
-  <p:clrMapOvr>
-    <a:masterClrMapping/>
-  </p:clrMapOvr>
-  <p:timing>
-    <p:tnLst>
-      <p:par>
-        <p:cTn id="1" dur="indefinite" restart="never" nodeType="tmRoot"/>
-      </p:par>
-    </p:tnLst>
-  </p:timing>
-</p:sld>
-</file>
-
-<file path=ppt/slides/slide13.xml><?xml version="1.0" encoding="utf-8"?>
+<file path=ppt/slides/slide11.xml><?xml version="1.0" encoding="utf-8"?>
 <p:sld xmlns:a="http://schemas.openxmlformats.org/drawingml/2006/main" xmlns:r="http://schemas.openxmlformats.org/officeDocument/2006/relationships" xmlns:p="http://schemas.openxmlformats.org/presentationml/2006/main">
   <p:cSld>
     <p:spTree>
@@ -4002,7 +3600,7 @@
       </p:sp>
       <p:pic>
         <p:nvPicPr>
-          <p:cNvPr id="1026" name="Picture 2" descr="C:\Users\Beaa\Desktop\NTT-Gym-Logo-final.png"/>
+          <p:cNvPr id="5" name="Picture 2" descr="C:\Users\Beaa\Desktop\NTT-Gym-Logo-final.png"/>
           <p:cNvPicPr>
             <a:picLocks noChangeAspect="1" noChangeArrowheads="1"/>
           </p:cNvPicPr>
@@ -4041,10 +3639,680 @@
           </a:extLst>
         </p:spPr>
       </p:pic>
+      <p:sp>
+        <p:nvSpPr>
+          <p:cNvPr id="2" name="Title 1"/>
+          <p:cNvSpPr>
+            <a:spLocks noGrp="1"/>
+          </p:cNvSpPr>
+          <p:nvPr>
+            <p:ph type="title"/>
+          </p:nvPr>
+        </p:nvSpPr>
+        <p:spPr/>
+        <p:txBody>
+          <a:bodyPr/>
+          <a:lstStyle/>
+          <a:p>
+            <a:r>
+              <a:rPr lang="ro-RO" dirty="0" smtClean="0"/>
+              <a:t>Application Layer</a:t>
+            </a:r>
+            <a:endParaRPr lang="ro-RO" dirty="0"/>
+          </a:p>
+        </p:txBody>
+      </p:sp>
+      <p:sp>
+        <p:nvSpPr>
+          <p:cNvPr id="10" name="Content Placeholder 9"/>
+          <p:cNvSpPr>
+            <a:spLocks noGrp="1"/>
+          </p:cNvSpPr>
+          <p:nvPr>
+            <p:ph idx="1"/>
+          </p:nvPr>
+        </p:nvSpPr>
+        <p:spPr>
+          <a:xfrm>
+            <a:off x="1371600" y="1600200"/>
+            <a:ext cx="7315200" cy="4525963"/>
+          </a:xfrm>
+        </p:spPr>
+        <p:txBody>
+          <a:bodyPr/>
+          <a:lstStyle/>
+          <a:p>
+            <a:r>
+              <a:rPr lang="ro-RO" dirty="0" smtClean="0">
+                <a:latin typeface="Calibri Light" pitchFamily="34" charset="0"/>
+                <a:cs typeface="Calibri Light" pitchFamily="34" charset="0"/>
+              </a:rPr>
+              <a:t>Spring Boot</a:t>
+            </a:r>
+          </a:p>
+          <a:p>
+            <a:endParaRPr lang="ro-RO" dirty="0">
+              <a:latin typeface="Calibri Light" pitchFamily="34" charset="0"/>
+              <a:cs typeface="Calibri Light" pitchFamily="34" charset="0"/>
+            </a:endParaRPr>
+          </a:p>
+          <a:p>
+            <a:r>
+              <a:rPr lang="ro-RO" dirty="0" smtClean="0">
+                <a:latin typeface="Calibri Light" pitchFamily="34" charset="0"/>
+                <a:cs typeface="Calibri Light" pitchFamily="34" charset="0"/>
+              </a:rPr>
+              <a:t>Repository </a:t>
+            </a:r>
+            <a:r>
+              <a:rPr lang="ro-RO" dirty="0" smtClean="0">
+                <a:latin typeface="Calibri Light" pitchFamily="34" charset="0"/>
+                <a:cs typeface="Calibri Light" pitchFamily="34" charset="0"/>
+                <a:sym typeface="Wingdings" pitchFamily="2" charset="2"/>
+              </a:rPr>
+              <a:t></a:t>
+            </a:r>
+            <a:r>
+              <a:rPr lang="ro-RO" dirty="0" smtClean="0">
+                <a:latin typeface="Calibri Light" pitchFamily="34" charset="0"/>
+                <a:cs typeface="Calibri Light" pitchFamily="34" charset="0"/>
+              </a:rPr>
+              <a:t> Service </a:t>
+            </a:r>
+            <a:r>
+              <a:rPr lang="ro-RO" dirty="0" smtClean="0">
+                <a:latin typeface="Calibri Light" pitchFamily="34" charset="0"/>
+                <a:cs typeface="Calibri Light" pitchFamily="34" charset="0"/>
+                <a:sym typeface="Wingdings" pitchFamily="2" charset="2"/>
+              </a:rPr>
+              <a:t></a:t>
+            </a:r>
+            <a:r>
+              <a:rPr lang="ro-RO" dirty="0" smtClean="0">
+                <a:latin typeface="Calibri Light" pitchFamily="34" charset="0"/>
+                <a:cs typeface="Calibri Light" pitchFamily="34" charset="0"/>
+              </a:rPr>
+              <a:t> Controller</a:t>
+            </a:r>
+          </a:p>
+          <a:p>
+            <a:endParaRPr lang="ro-RO" dirty="0">
+              <a:latin typeface="Calibri Light" pitchFamily="34" charset="0"/>
+              <a:cs typeface="Calibri Light" pitchFamily="34" charset="0"/>
+            </a:endParaRPr>
+          </a:p>
+          <a:p>
+            <a:r>
+              <a:rPr lang="ro-RO" dirty="0" smtClean="0">
+                <a:latin typeface="Calibri Light" pitchFamily="34" charset="0"/>
+                <a:cs typeface="Calibri Light" pitchFamily="34" charset="0"/>
+              </a:rPr>
+              <a:t>Embedded Tomcat</a:t>
+            </a:r>
+          </a:p>
+          <a:p>
+            <a:endParaRPr lang="ro-RO" dirty="0">
+              <a:latin typeface="Calibri Light" pitchFamily="34" charset="0"/>
+              <a:cs typeface="Calibri Light" pitchFamily="34" charset="0"/>
+            </a:endParaRPr>
+          </a:p>
+          <a:p>
+            <a:r>
+              <a:rPr lang="ro-RO" dirty="0" smtClean="0">
+                <a:latin typeface="Calibri Light" pitchFamily="34" charset="0"/>
+                <a:cs typeface="Calibri Light" pitchFamily="34" charset="0"/>
+              </a:rPr>
+              <a:t>Maven Profile</a:t>
+            </a:r>
+            <a:endParaRPr lang="ro-RO" dirty="0">
+              <a:latin typeface="Calibri Light" pitchFamily="34" charset="0"/>
+              <a:cs typeface="Calibri Light" pitchFamily="34" charset="0"/>
+            </a:endParaRPr>
+          </a:p>
+        </p:txBody>
+      </p:sp>
     </p:spTree>
     <p:extLst>
       <p:ext uri="{BB962C8B-B14F-4D97-AF65-F5344CB8AC3E}">
-        <p14:creationId xmlns:p14="http://schemas.microsoft.com/office/powerpoint/2010/main" val="2557417018"/>
+        <p14:creationId xmlns:p14="http://schemas.microsoft.com/office/powerpoint/2010/main" val="3692316952"/>
+      </p:ext>
+    </p:extLst>
+  </p:cSld>
+  <p:clrMapOvr>
+    <a:masterClrMapping/>
+  </p:clrMapOvr>
+  <p:timing>
+    <p:tnLst>
+      <p:par>
+        <p:cTn id="1" dur="indefinite" restart="never" nodeType="tmRoot"/>
+      </p:par>
+    </p:tnLst>
+  </p:timing>
+</p:sld>
+</file>
+
+<file path=ppt/slides/slide12.xml><?xml version="1.0" encoding="utf-8"?>
+<p:sld xmlns:a="http://schemas.openxmlformats.org/drawingml/2006/main" xmlns:r="http://schemas.openxmlformats.org/officeDocument/2006/relationships" xmlns:p="http://schemas.openxmlformats.org/presentationml/2006/main">
+  <p:cSld>
+    <p:spTree>
+      <p:nvGrpSpPr>
+        <p:cNvPr id="1" name=""/>
+        <p:cNvGrpSpPr/>
+        <p:nvPr/>
+      </p:nvGrpSpPr>
+      <p:grpSpPr>
+        <a:xfrm>
+          <a:off x="0" y="0"/>
+          <a:ext cx="0" cy="0"/>
+          <a:chOff x="0" y="0"/>
+          <a:chExt cx="0" cy="0"/>
+        </a:xfrm>
+      </p:grpSpPr>
+      <p:sp>
+        <p:nvSpPr>
+          <p:cNvPr id="4" name="Rectangle 3"/>
+          <p:cNvSpPr/>
+          <p:nvPr/>
+        </p:nvSpPr>
+        <p:spPr>
+          <a:xfrm>
+            <a:off x="228600" y="0"/>
+            <a:ext cx="152400" cy="6858000"/>
+          </a:xfrm>
+          <a:prstGeom prst="rect">
+            <a:avLst/>
+          </a:prstGeom>
+          <a:solidFill>
+            <a:srgbClr val="17375E"/>
+          </a:solidFill>
+        </p:spPr>
+        <p:style>
+          <a:lnRef idx="2">
+            <a:schemeClr val="accent1">
+              <a:shade val="50000"/>
+            </a:schemeClr>
+          </a:lnRef>
+          <a:fillRef idx="1">
+            <a:schemeClr val="accent1"/>
+          </a:fillRef>
+          <a:effectRef idx="0">
+            <a:schemeClr val="accent1"/>
+          </a:effectRef>
+          <a:fontRef idx="minor">
+            <a:schemeClr val="lt1"/>
+          </a:fontRef>
+        </p:style>
+        <p:txBody>
+          <a:bodyPr rtlCol="0" anchor="ctr"/>
+          <a:lstStyle/>
+          <a:p>
+            <a:pPr algn="ctr"/>
+            <a:endParaRPr lang="en-US"/>
+          </a:p>
+        </p:txBody>
+      </p:sp>
+      <p:sp>
+        <p:nvSpPr>
+          <p:cNvPr id="7" name="Rectangle 6"/>
+          <p:cNvSpPr/>
+          <p:nvPr/>
+        </p:nvSpPr>
+        <p:spPr>
+          <a:xfrm>
+            <a:off x="533400" y="0"/>
+            <a:ext cx="381000" cy="6858000"/>
+          </a:xfrm>
+          <a:prstGeom prst="rect">
+            <a:avLst/>
+          </a:prstGeom>
+          <a:solidFill>
+            <a:srgbClr val="17375E"/>
+          </a:solidFill>
+        </p:spPr>
+        <p:style>
+          <a:lnRef idx="2">
+            <a:schemeClr val="accent1">
+              <a:shade val="50000"/>
+            </a:schemeClr>
+          </a:lnRef>
+          <a:fillRef idx="1">
+            <a:schemeClr val="accent1"/>
+          </a:fillRef>
+          <a:effectRef idx="0">
+            <a:schemeClr val="accent1"/>
+          </a:effectRef>
+          <a:fontRef idx="minor">
+            <a:schemeClr val="lt1"/>
+          </a:fontRef>
+        </p:style>
+        <p:txBody>
+          <a:bodyPr rtlCol="0" anchor="ctr"/>
+          <a:lstStyle/>
+          <a:p>
+            <a:pPr algn="ctr"/>
+            <a:endParaRPr lang="en-US"/>
+          </a:p>
+        </p:txBody>
+      </p:sp>
+      <p:pic>
+        <p:nvPicPr>
+          <p:cNvPr id="5" name="Picture 2" descr="C:\Users\Beaa\Desktop\NTT-Gym-Logo-final.png"/>
+          <p:cNvPicPr>
+            <a:picLocks noChangeAspect="1" noChangeArrowheads="1"/>
+          </p:cNvPicPr>
+          <p:nvPr/>
+        </p:nvPicPr>
+        <p:blipFill>
+          <a:blip r:embed="rId2">
+            <a:extLst>
+              <a:ext uri="{28A0092B-C50C-407E-A947-70E740481C1C}">
+                <a14:useLocalDpi xmlns:a14="http://schemas.microsoft.com/office/drawing/2010/main" val="0"/>
+              </a:ext>
+            </a:extLst>
+          </a:blip>
+          <a:srcRect/>
+          <a:stretch>
+            <a:fillRect/>
+          </a:stretch>
+        </p:blipFill>
+        <p:spPr bwMode="auto">
+          <a:xfrm>
+            <a:off x="6934200" y="28554"/>
+            <a:ext cx="2057400" cy="524569"/>
+          </a:xfrm>
+          <a:prstGeom prst="rect">
+            <a:avLst/>
+          </a:prstGeom>
+          <a:noFill/>
+          <a:extLst>
+            <a:ext uri="{909E8E84-426E-40DD-AFC4-6F175D3DCCD1}">
+              <a14:hiddenFill xmlns:a14="http://schemas.microsoft.com/office/drawing/2010/main">
+                <a:solidFill>
+                  <a:srgbClr val="FFFFFF"/>
+                </a:solidFill>
+              </a14:hiddenFill>
+            </a:ext>
+          </a:extLst>
+        </p:spPr>
+      </p:pic>
+      <p:sp>
+        <p:nvSpPr>
+          <p:cNvPr id="2" name="Title 1"/>
+          <p:cNvSpPr>
+            <a:spLocks noGrp="1"/>
+          </p:cNvSpPr>
+          <p:nvPr>
+            <p:ph type="title"/>
+          </p:nvPr>
+        </p:nvSpPr>
+        <p:spPr/>
+        <p:txBody>
+          <a:bodyPr/>
+          <a:lstStyle/>
+          <a:p>
+            <a:r>
+              <a:rPr lang="ro-RO" dirty="0" smtClean="0"/>
+              <a:t>Data Layer</a:t>
+            </a:r>
+            <a:endParaRPr lang="ro-RO" dirty="0"/>
+          </a:p>
+        </p:txBody>
+      </p:sp>
+      <p:sp>
+        <p:nvSpPr>
+          <p:cNvPr id="8" name="Content Placeholder 7"/>
+          <p:cNvSpPr>
+            <a:spLocks noGrp="1"/>
+          </p:cNvSpPr>
+          <p:nvPr>
+            <p:ph idx="1"/>
+          </p:nvPr>
+        </p:nvSpPr>
+        <p:spPr>
+          <a:xfrm>
+            <a:off x="1371600" y="1600200"/>
+            <a:ext cx="7315200" cy="4525963"/>
+          </a:xfrm>
+        </p:spPr>
+        <p:txBody>
+          <a:bodyPr/>
+          <a:lstStyle/>
+          <a:p>
+            <a:r>
+              <a:rPr lang="ro-RO" dirty="0" smtClean="0">
+                <a:latin typeface="Calibri Light" pitchFamily="34" charset="0"/>
+                <a:cs typeface="Calibri Light" pitchFamily="34" charset="0"/>
+              </a:rPr>
+              <a:t>Spring Data</a:t>
+            </a:r>
+          </a:p>
+          <a:p>
+            <a:endParaRPr lang="ro-RO" dirty="0">
+              <a:latin typeface="Calibri Light" pitchFamily="34" charset="0"/>
+              <a:cs typeface="Calibri Light" pitchFamily="34" charset="0"/>
+            </a:endParaRPr>
+          </a:p>
+          <a:p>
+            <a:r>
+              <a:rPr lang="ro-RO" dirty="0" smtClean="0">
+                <a:latin typeface="Calibri Light" pitchFamily="34" charset="0"/>
+                <a:cs typeface="Calibri Light" pitchFamily="34" charset="0"/>
+              </a:rPr>
+              <a:t>JPA Repository (Hibernate)</a:t>
+            </a:r>
+          </a:p>
+          <a:p>
+            <a:endParaRPr lang="ro-RO" dirty="0">
+              <a:latin typeface="Calibri Light" pitchFamily="34" charset="0"/>
+              <a:cs typeface="Calibri Light" pitchFamily="34" charset="0"/>
+            </a:endParaRPr>
+          </a:p>
+          <a:p>
+            <a:r>
+              <a:rPr lang="ro-RO" dirty="0" smtClean="0">
+                <a:latin typeface="Calibri Light" pitchFamily="34" charset="0"/>
+                <a:cs typeface="Calibri Light" pitchFamily="34" charset="0"/>
+              </a:rPr>
+              <a:t>MySQL Server</a:t>
+            </a:r>
+            <a:endParaRPr lang="ro-RO" dirty="0">
+              <a:latin typeface="Calibri Light" pitchFamily="34" charset="0"/>
+              <a:cs typeface="Calibri Light" pitchFamily="34" charset="0"/>
+            </a:endParaRPr>
+          </a:p>
+        </p:txBody>
+      </p:sp>
+    </p:spTree>
+    <p:extLst>
+      <p:ext uri="{BB962C8B-B14F-4D97-AF65-F5344CB8AC3E}">
+        <p14:creationId xmlns:p14="http://schemas.microsoft.com/office/powerpoint/2010/main" val="3692316952"/>
+      </p:ext>
+    </p:extLst>
+  </p:cSld>
+  <p:clrMapOvr>
+    <a:masterClrMapping/>
+  </p:clrMapOvr>
+  <p:timing>
+    <p:tnLst>
+      <p:par>
+        <p:cTn id="1" dur="indefinite" restart="never" nodeType="tmRoot"/>
+      </p:par>
+    </p:tnLst>
+  </p:timing>
+</p:sld>
+</file>
+
+<file path=ppt/slides/slide13.xml><?xml version="1.0" encoding="utf-8"?>
+<p:sld xmlns:a="http://schemas.openxmlformats.org/drawingml/2006/main" xmlns:r="http://schemas.openxmlformats.org/officeDocument/2006/relationships" xmlns:p="http://schemas.openxmlformats.org/presentationml/2006/main">
+  <p:cSld>
+    <p:bg>
+      <p:bgPr>
+        <a:blipFill dpi="0" rotWithShape="1">
+          <a:blip r:embed="rId2">
+            <a:lum/>
+          </a:blip>
+          <a:srcRect/>
+          <a:stretch>
+            <a:fillRect l="-22000" r="-22000"/>
+          </a:stretch>
+        </a:blipFill>
+        <a:effectLst/>
+      </p:bgPr>
+    </p:bg>
+    <p:spTree>
+      <p:nvGrpSpPr>
+        <p:cNvPr id="1" name=""/>
+        <p:cNvGrpSpPr/>
+        <p:nvPr/>
+      </p:nvGrpSpPr>
+      <p:grpSpPr>
+        <a:xfrm>
+          <a:off x="0" y="0"/>
+          <a:ext cx="0" cy="0"/>
+          <a:chOff x="0" y="0"/>
+          <a:chExt cx="0" cy="0"/>
+        </a:xfrm>
+      </p:grpSpPr>
+      <p:sp>
+        <p:nvSpPr>
+          <p:cNvPr id="4" name="Rectangle 3"/>
+          <p:cNvSpPr/>
+          <p:nvPr/>
+        </p:nvSpPr>
+        <p:spPr>
+          <a:xfrm>
+            <a:off x="457200" y="0"/>
+            <a:ext cx="2819400" cy="6858000"/>
+          </a:xfrm>
+          <a:prstGeom prst="rect">
+            <a:avLst/>
+          </a:prstGeom>
+          <a:solidFill>
+            <a:schemeClr val="tx2">
+              <a:lumMod val="75000"/>
+              <a:alpha val="80000"/>
+            </a:schemeClr>
+          </a:solidFill>
+          <a:ln>
+            <a:noFill/>
+          </a:ln>
+        </p:spPr>
+        <p:style>
+          <a:lnRef idx="2">
+            <a:schemeClr val="accent1">
+              <a:shade val="50000"/>
+            </a:schemeClr>
+          </a:lnRef>
+          <a:fillRef idx="1">
+            <a:schemeClr val="accent1"/>
+          </a:fillRef>
+          <a:effectRef idx="0">
+            <a:schemeClr val="accent1"/>
+          </a:effectRef>
+          <a:fontRef idx="minor">
+            <a:schemeClr val="lt1"/>
+          </a:fontRef>
+        </p:style>
+        <p:txBody>
+          <a:bodyPr rtlCol="0" anchor="ctr"/>
+          <a:lstStyle/>
+          <a:p>
+            <a:pPr algn="ctr"/>
+            <a:endParaRPr lang="en-US"/>
+          </a:p>
+        </p:txBody>
+      </p:sp>
+      <p:sp>
+        <p:nvSpPr>
+          <p:cNvPr id="5" name="TextBox 4"/>
+          <p:cNvSpPr txBox="1"/>
+          <p:nvPr/>
+        </p:nvSpPr>
+        <p:spPr>
+          <a:xfrm>
+            <a:off x="571500" y="914400"/>
+            <a:ext cx="2590800" cy="3908762"/>
+          </a:xfrm>
+          <a:prstGeom prst="rect">
+            <a:avLst/>
+          </a:prstGeom>
+          <a:noFill/>
+        </p:spPr>
+        <p:txBody>
+          <a:bodyPr wrap="square" rtlCol="0">
+            <a:spAutoFit/>
+          </a:bodyPr>
+          <a:lstStyle/>
+          <a:p>
+            <a:pPr marL="457200" indent="-457200">
+              <a:buFont typeface="Arial" pitchFamily="34" charset="0"/>
+              <a:buChar char="•"/>
+            </a:pPr>
+            <a:r>
+              <a:rPr lang="en-US" sz="2400" dirty="0" smtClean="0">
+                <a:solidFill>
+                  <a:schemeClr val="bg1"/>
+                </a:solidFill>
+                <a:latin typeface="Times New Roman" pitchFamily="18" charset="0"/>
+                <a:cs typeface="Times New Roman" pitchFamily="18" charset="0"/>
+              </a:rPr>
+              <a:t>Task</a:t>
+            </a:r>
+          </a:p>
+          <a:p>
+            <a:endParaRPr lang="en-US" sz="2400" dirty="0" smtClean="0">
+              <a:solidFill>
+                <a:schemeClr val="bg1"/>
+              </a:solidFill>
+              <a:latin typeface="Times New Roman" pitchFamily="18" charset="0"/>
+              <a:cs typeface="Times New Roman" pitchFamily="18" charset="0"/>
+            </a:endParaRPr>
+          </a:p>
+          <a:p>
+            <a:pPr marL="457200" indent="-457200">
+              <a:buFont typeface="Arial" pitchFamily="34" charset="0"/>
+              <a:buChar char="•"/>
+            </a:pPr>
+            <a:r>
+              <a:rPr lang="en-US" sz="2400" dirty="0" smtClean="0">
+                <a:solidFill>
+                  <a:schemeClr val="bg1"/>
+                </a:solidFill>
+                <a:latin typeface="Times New Roman" pitchFamily="18" charset="0"/>
+                <a:cs typeface="Times New Roman" pitchFamily="18" charset="0"/>
+              </a:rPr>
+              <a:t>Our </a:t>
+            </a:r>
+            <a:r>
+              <a:rPr lang="en-US" sz="2400" dirty="0" smtClean="0">
+                <a:solidFill>
+                  <a:schemeClr val="bg1"/>
+                </a:solidFill>
+                <a:latin typeface="Times New Roman" pitchFamily="18" charset="0"/>
+                <a:cs typeface="Times New Roman" pitchFamily="18" charset="0"/>
+              </a:rPr>
+              <a:t>Approach</a:t>
+            </a:r>
+            <a:endParaRPr lang="en-US" sz="2400" dirty="0" smtClean="0">
+              <a:solidFill>
+                <a:schemeClr val="bg1"/>
+              </a:solidFill>
+              <a:latin typeface="Times New Roman" pitchFamily="18" charset="0"/>
+              <a:cs typeface="Times New Roman" pitchFamily="18" charset="0"/>
+            </a:endParaRPr>
+          </a:p>
+          <a:p>
+            <a:endParaRPr lang="en-US" sz="2400" dirty="0" smtClean="0">
+              <a:solidFill>
+                <a:schemeClr val="bg1"/>
+              </a:solidFill>
+              <a:latin typeface="Times New Roman" pitchFamily="18" charset="0"/>
+              <a:cs typeface="Times New Roman" pitchFamily="18" charset="0"/>
+            </a:endParaRPr>
+          </a:p>
+          <a:p>
+            <a:pPr marL="457200" indent="-457200">
+              <a:buFont typeface="Arial" pitchFamily="34" charset="0"/>
+              <a:buChar char="•"/>
+            </a:pPr>
+            <a:r>
+              <a:rPr lang="en-US" sz="3200" b="1" dirty="0" smtClean="0">
+                <a:solidFill>
+                  <a:schemeClr val="bg1"/>
+                </a:solidFill>
+                <a:latin typeface="Times New Roman" pitchFamily="18" charset="0"/>
+                <a:cs typeface="Times New Roman" pitchFamily="18" charset="0"/>
+              </a:rPr>
+              <a:t>Demo</a:t>
+            </a:r>
+          </a:p>
+          <a:p>
+            <a:endParaRPr lang="en-US" sz="2400" dirty="0" smtClean="0">
+              <a:solidFill>
+                <a:schemeClr val="bg1"/>
+              </a:solidFill>
+              <a:latin typeface="Times New Roman" pitchFamily="18" charset="0"/>
+              <a:cs typeface="Times New Roman" pitchFamily="18" charset="0"/>
+            </a:endParaRPr>
+          </a:p>
+          <a:p>
+            <a:pPr marL="457200" indent="-457200">
+              <a:buFont typeface="Arial" pitchFamily="34" charset="0"/>
+              <a:buChar char="•"/>
+            </a:pPr>
+            <a:r>
+              <a:rPr lang="en-US" sz="2400" dirty="0" smtClean="0">
+                <a:solidFill>
+                  <a:schemeClr val="bg1"/>
+                </a:solidFill>
+                <a:latin typeface="Times New Roman" pitchFamily="18" charset="0"/>
+                <a:cs typeface="Times New Roman" pitchFamily="18" charset="0"/>
+              </a:rPr>
+              <a:t>Summary</a:t>
+            </a:r>
+            <a:endParaRPr lang="ro-RO" sz="2400" dirty="0" smtClean="0">
+              <a:solidFill>
+                <a:schemeClr val="bg1"/>
+              </a:solidFill>
+              <a:latin typeface="Times New Roman" pitchFamily="18" charset="0"/>
+              <a:cs typeface="Times New Roman" pitchFamily="18" charset="0"/>
+            </a:endParaRPr>
+          </a:p>
+          <a:p>
+            <a:pPr marL="457200" indent="-457200">
+              <a:buFont typeface="Arial" pitchFamily="34" charset="0"/>
+              <a:buChar char="•"/>
+            </a:pPr>
+            <a:endParaRPr lang="ro-RO" sz="2400" dirty="0">
+              <a:solidFill>
+                <a:schemeClr val="bg1"/>
+              </a:solidFill>
+              <a:latin typeface="Times New Roman" pitchFamily="18" charset="0"/>
+              <a:cs typeface="Times New Roman" pitchFamily="18" charset="0"/>
+            </a:endParaRPr>
+          </a:p>
+          <a:p>
+            <a:pPr marL="457200" indent="-457200">
+              <a:buFont typeface="Arial" pitchFamily="34" charset="0"/>
+              <a:buChar char="•"/>
+            </a:pPr>
+            <a:r>
+              <a:rPr lang="ro-RO" sz="2400" dirty="0">
+                <a:solidFill>
+                  <a:schemeClr val="bg1"/>
+                </a:solidFill>
+                <a:latin typeface="Times New Roman" pitchFamily="18" charset="0"/>
+                <a:cs typeface="Times New Roman" pitchFamily="18" charset="0"/>
+              </a:rPr>
+              <a:t>Future Work</a:t>
+            </a:r>
+            <a:endParaRPr lang="en-US" sz="2400" dirty="0">
+              <a:solidFill>
+                <a:schemeClr val="bg1"/>
+              </a:solidFill>
+              <a:latin typeface="Times New Roman" pitchFamily="18" charset="0"/>
+              <a:cs typeface="Times New Roman" pitchFamily="18" charset="0"/>
+            </a:endParaRPr>
+          </a:p>
+          <a:p>
+            <a:pPr marL="457200" indent="-457200">
+              <a:buFont typeface="Arial" pitchFamily="34" charset="0"/>
+              <a:buChar char="•"/>
+            </a:pPr>
+            <a:endParaRPr lang="en-US" sz="2400" dirty="0">
+              <a:solidFill>
+                <a:schemeClr val="bg1"/>
+              </a:solidFill>
+              <a:latin typeface="Times New Roman" pitchFamily="18" charset="0"/>
+              <a:cs typeface="Times New Roman" pitchFamily="18" charset="0"/>
+            </a:endParaRPr>
+          </a:p>
+        </p:txBody>
+      </p:sp>
+    </p:spTree>
+    <p:extLst>
+      <p:ext uri="{BB962C8B-B14F-4D97-AF65-F5344CB8AC3E}">
+        <p14:creationId xmlns:p14="http://schemas.microsoft.com/office/powerpoint/2010/main" val="456766282"/>
       </p:ext>
     </p:extLst>
   </p:cSld>
@@ -4150,7 +4418,7 @@
         <p:spPr>
           <a:xfrm>
             <a:off x="571500" y="914400"/>
-            <a:ext cx="2590800" cy="3539430"/>
+            <a:ext cx="2590800" cy="3662541"/>
           </a:xfrm>
           <a:prstGeom prst="rect">
             <a:avLst/>
@@ -4200,10 +4468,31 @@
                 <a:latin typeface="Times New Roman" pitchFamily="18" charset="0"/>
                 <a:cs typeface="Times New Roman" pitchFamily="18" charset="0"/>
               </a:rPr>
-              <a:t>Our Approach</a:t>
-            </a:r>
-          </a:p>
-          <a:p>
+              <a:t>Our </a:t>
+            </a:r>
+            <a:r>
+              <a:rPr lang="en-US" sz="2400" dirty="0" smtClean="0">
+                <a:solidFill>
+                  <a:schemeClr val="bg1"/>
+                </a:solidFill>
+                <a:latin typeface="Times New Roman" pitchFamily="18" charset="0"/>
+                <a:cs typeface="Times New Roman" pitchFamily="18" charset="0"/>
+              </a:rPr>
+              <a:t>Approach</a:t>
+            </a:r>
+            <a:endParaRPr lang="ro-RO" sz="2400" dirty="0" smtClean="0">
+              <a:solidFill>
+                <a:schemeClr val="bg1"/>
+              </a:solidFill>
+              <a:latin typeface="Times New Roman" pitchFamily="18" charset="0"/>
+              <a:cs typeface="Times New Roman" pitchFamily="18" charset="0"/>
+            </a:endParaRPr>
+          </a:p>
+          <a:p>
+            <a:pPr marL="457200" indent="-457200">
+              <a:buFont typeface="Arial" pitchFamily="34" charset="0"/>
+              <a:buChar char="•"/>
+            </a:pPr>
             <a:endParaRPr lang="en-US" sz="2400" dirty="0" smtClean="0">
               <a:solidFill>
                 <a:schemeClr val="bg1"/>
@@ -4225,7 +4514,7 @@
                 <a:latin typeface="Times New Roman" pitchFamily="18" charset="0"/>
                 <a:cs typeface="Times New Roman" pitchFamily="18" charset="0"/>
               </a:rPr>
-              <a:t>Our Solution</a:t>
+              <a:t>Demo</a:t>
             </a:r>
           </a:p>
           <a:p>
@@ -4243,18 +4532,16 @@
               <a:buChar char="•"/>
             </a:pPr>
             <a:r>
-              <a:rPr lang="en-US" sz="2400" dirty="0" smtClean="0">
+              <a:rPr lang="en-US" sz="3200" b="1" dirty="0" smtClean="0">
                 <a:solidFill>
                   <a:schemeClr val="bg1"/>
                 </a:solidFill>
                 <a:latin typeface="Times New Roman" pitchFamily="18" charset="0"/>
                 <a:cs typeface="Times New Roman" pitchFamily="18" charset="0"/>
               </a:rPr>
-              <a:t>Demo</a:t>
-            </a:r>
-          </a:p>
-          <a:p>
-            <a:endParaRPr lang="en-US" sz="2400" dirty="0" smtClean="0">
+              <a:t>Summary</a:t>
+            </a:r>
+            <a:endParaRPr lang="ro-RO" sz="3200" b="1" dirty="0" smtClean="0">
               <a:solidFill>
                 <a:schemeClr val="bg1"/>
               </a:solidFill>
@@ -4267,17 +4554,30 @@
               <a:buFont typeface="Arial" pitchFamily="34" charset="0"/>
               <a:buChar char="•"/>
             </a:pPr>
-            <a:r>
-              <a:rPr lang="en-US" sz="3200" b="1" dirty="0" smtClean="0">
+            <a:endParaRPr lang="ro-RO" sz="3200" dirty="0">
+              <a:solidFill>
+                <a:schemeClr val="bg1"/>
+              </a:solidFill>
+              <a:latin typeface="Times New Roman" pitchFamily="18" charset="0"/>
+              <a:cs typeface="Times New Roman" pitchFamily="18" charset="0"/>
+            </a:endParaRPr>
+          </a:p>
+          <a:p>
+            <a:pPr marL="457200" indent="-457200">
+              <a:buFont typeface="Arial" pitchFamily="34" charset="0"/>
+              <a:buChar char="•"/>
+            </a:pPr>
+            <a:r>
+              <a:rPr lang="ro-RO" sz="2400" dirty="0" smtClean="0">
                 <a:solidFill>
                   <a:schemeClr val="bg1"/>
                 </a:solidFill>
                 <a:latin typeface="Times New Roman" pitchFamily="18" charset="0"/>
                 <a:cs typeface="Times New Roman" pitchFamily="18" charset="0"/>
               </a:rPr>
-              <a:t>Summary</a:t>
-            </a:r>
-            <a:endParaRPr lang="en-US" sz="3200" b="1" dirty="0">
+              <a:t>Future Work</a:t>
+            </a:r>
+            <a:endParaRPr lang="en-US" sz="2400" dirty="0">
               <a:solidFill>
                 <a:schemeClr val="bg1"/>
               </a:solidFill>
@@ -4451,6 +4751,98 @@
           </a:extLst>
         </p:spPr>
       </p:pic>
+      <p:sp>
+        <p:nvSpPr>
+          <p:cNvPr id="2" name="Title 1"/>
+          <p:cNvSpPr>
+            <a:spLocks noGrp="1"/>
+          </p:cNvSpPr>
+          <p:nvPr>
+            <p:ph type="title"/>
+          </p:nvPr>
+        </p:nvSpPr>
+        <p:spPr/>
+        <p:txBody>
+          <a:bodyPr/>
+          <a:lstStyle/>
+          <a:p>
+            <a:r>
+              <a:rPr lang="ro-RO" dirty="0" smtClean="0"/>
+              <a:t>Summary</a:t>
+            </a:r>
+            <a:endParaRPr lang="ro-RO" dirty="0"/>
+          </a:p>
+        </p:txBody>
+      </p:sp>
+      <p:sp>
+        <p:nvSpPr>
+          <p:cNvPr id="3" name="Content Placeholder 2"/>
+          <p:cNvSpPr>
+            <a:spLocks noGrp="1"/>
+          </p:cNvSpPr>
+          <p:nvPr>
+            <p:ph idx="1"/>
+          </p:nvPr>
+        </p:nvSpPr>
+        <p:spPr>
+          <a:xfrm>
+            <a:off x="914400" y="1600200"/>
+            <a:ext cx="8229600" cy="4525963"/>
+          </a:xfrm>
+        </p:spPr>
+        <p:txBody>
+          <a:bodyPr>
+            <a:normAutofit/>
+          </a:bodyPr>
+          <a:lstStyle/>
+          <a:p>
+            <a:r>
+              <a:rPr lang="ro-RO" dirty="0" smtClean="0"/>
+              <a:t>Easy to use Web Application for a gym</a:t>
+            </a:r>
+          </a:p>
+          <a:p>
+            <a:endParaRPr lang="ro-RO" dirty="0" smtClean="0"/>
+          </a:p>
+          <a:p>
+            <a:r>
+              <a:rPr lang="ro-RO" dirty="0" smtClean="0"/>
+              <a:t>3 Products in Backlog</a:t>
+            </a:r>
+          </a:p>
+          <a:p>
+            <a:endParaRPr lang="ro-RO" dirty="0" smtClean="0"/>
+          </a:p>
+          <a:p>
+            <a:r>
+              <a:rPr lang="ro-RO" dirty="0" smtClean="0"/>
+              <a:t>3 Tier Architecture: </a:t>
+            </a:r>
+          </a:p>
+          <a:p>
+            <a:pPr lvl="1"/>
+            <a:r>
+              <a:rPr lang="ro-RO" dirty="0" smtClean="0"/>
+              <a:t>Client Layer: Angular 2</a:t>
+            </a:r>
+          </a:p>
+          <a:p>
+            <a:pPr lvl="1"/>
+            <a:r>
+              <a:rPr lang="ro-RO" dirty="0" smtClean="0"/>
+              <a:t>Application Layer: Spring Boot</a:t>
+            </a:r>
+          </a:p>
+          <a:p>
+            <a:pPr lvl="1"/>
+            <a:r>
+              <a:rPr lang="ro-RO" dirty="0" smtClean="0"/>
+              <a:t>Data Layer: MySQL Server</a:t>
+            </a:r>
+            <a:endParaRPr lang="ro-RO" dirty="0"/>
+          </a:p>
+        </p:txBody>
+      </p:sp>
     </p:spTree>
     <p:extLst>
       <p:ext uri="{BB962C8B-B14F-4D97-AF65-F5344CB8AC3E}">
@@ -4490,6 +4882,133 @@
       </p:grpSpPr>
       <p:sp>
         <p:nvSpPr>
+          <p:cNvPr id="4" name="Rectangle 3"/>
+          <p:cNvSpPr/>
+          <p:nvPr/>
+        </p:nvSpPr>
+        <p:spPr>
+          <a:xfrm>
+            <a:off x="228600" y="0"/>
+            <a:ext cx="152400" cy="6858000"/>
+          </a:xfrm>
+          <a:prstGeom prst="rect">
+            <a:avLst/>
+          </a:prstGeom>
+          <a:solidFill>
+            <a:srgbClr val="17375E"/>
+          </a:solidFill>
+        </p:spPr>
+        <p:style>
+          <a:lnRef idx="2">
+            <a:schemeClr val="accent1">
+              <a:shade val="50000"/>
+            </a:schemeClr>
+          </a:lnRef>
+          <a:fillRef idx="1">
+            <a:schemeClr val="accent1"/>
+          </a:fillRef>
+          <a:effectRef idx="0">
+            <a:schemeClr val="accent1"/>
+          </a:effectRef>
+          <a:fontRef idx="minor">
+            <a:schemeClr val="lt1"/>
+          </a:fontRef>
+        </p:style>
+        <p:txBody>
+          <a:bodyPr rtlCol="0" anchor="ctr"/>
+          <a:lstStyle/>
+          <a:p>
+            <a:pPr algn="ctr"/>
+            <a:endParaRPr lang="en-US"/>
+          </a:p>
+        </p:txBody>
+      </p:sp>
+      <p:sp>
+        <p:nvSpPr>
+          <p:cNvPr id="7" name="Rectangle 6"/>
+          <p:cNvSpPr/>
+          <p:nvPr/>
+        </p:nvSpPr>
+        <p:spPr>
+          <a:xfrm>
+            <a:off x="533400" y="0"/>
+            <a:ext cx="381000" cy="6858000"/>
+          </a:xfrm>
+          <a:prstGeom prst="rect">
+            <a:avLst/>
+          </a:prstGeom>
+          <a:solidFill>
+            <a:srgbClr val="17375E"/>
+          </a:solidFill>
+        </p:spPr>
+        <p:style>
+          <a:lnRef idx="2">
+            <a:schemeClr val="accent1">
+              <a:shade val="50000"/>
+            </a:schemeClr>
+          </a:lnRef>
+          <a:fillRef idx="1">
+            <a:schemeClr val="accent1"/>
+          </a:fillRef>
+          <a:effectRef idx="0">
+            <a:schemeClr val="accent1"/>
+          </a:effectRef>
+          <a:fontRef idx="minor">
+            <a:schemeClr val="lt1"/>
+          </a:fontRef>
+        </p:style>
+        <p:txBody>
+          <a:bodyPr rtlCol="0" anchor="ctr"/>
+          <a:lstStyle/>
+          <a:p>
+            <a:pPr algn="ctr"/>
+            <a:endParaRPr lang="en-US"/>
+          </a:p>
+        </p:txBody>
+      </p:sp>
+      <p:pic>
+        <p:nvPicPr>
+          <p:cNvPr id="5" name="Picture 2" descr="C:\Users\Beaa\Desktop\NTT-Gym-Logo-final.png"/>
+          <p:cNvPicPr>
+            <a:picLocks noChangeAspect="1" noChangeArrowheads="1"/>
+          </p:cNvPicPr>
+          <p:nvPr/>
+        </p:nvPicPr>
+        <p:blipFill>
+          <a:blip r:embed="rId2">
+            <a:extLst>
+              <a:ext uri="{28A0092B-C50C-407E-A947-70E740481C1C}">
+                <a14:useLocalDpi xmlns:a14="http://schemas.microsoft.com/office/drawing/2010/main" val="0"/>
+              </a:ext>
+            </a:extLst>
+          </a:blip>
+          <a:srcRect/>
+          <a:stretch>
+            <a:fillRect/>
+          </a:stretch>
+        </p:blipFill>
+        <p:spPr bwMode="auto">
+          <a:xfrm>
+            <a:off x="6934200" y="28554"/>
+            <a:ext cx="2057400" cy="524569"/>
+          </a:xfrm>
+          <a:prstGeom prst="rect">
+            <a:avLst/>
+          </a:prstGeom>
+          <a:noFill/>
+          <a:extLst>
+            <a:ext uri="{909E8E84-426E-40DD-AFC4-6F175D3DCCD1}">
+              <a14:hiddenFill xmlns:a14="http://schemas.microsoft.com/office/drawing/2010/main">
+                <a:solidFill>
+                  <a:srgbClr val="FFFFFF"/>
+                </a:solidFill>
+              </a14:hiddenFill>
+            </a:ext>
+          </a:extLst>
+        </p:spPr>
+      </p:pic>
+      <p:sp>
+        <p:nvSpPr>
           <p:cNvPr id="2" name="Title 1"/>
           <p:cNvSpPr>
             <a:spLocks noGrp="1"/>
@@ -4500,10 +5019,16 @@
         </p:nvSpPr>
         <p:spPr/>
         <p:txBody>
-          <a:bodyPr/>
-          <a:lstStyle/>
-          <a:p>
-            <a:endParaRPr lang="en-US" dirty="0"/>
+          <a:bodyPr>
+            <a:normAutofit fontScale="90000"/>
+          </a:bodyPr>
+          <a:lstStyle/>
+          <a:p>
+            <a:r>
+              <a:rPr lang="ro-RO" sz="7000" dirty="0" smtClean="0"/>
+              <a:t>Result</a:t>
+            </a:r>
+            <a:endParaRPr lang="ro-RO" sz="7000" dirty="0"/>
           </a:p>
         </p:txBody>
       </p:sp>
@@ -4517,19 +5042,76 @@
             <p:ph idx="1"/>
           </p:nvPr>
         </p:nvSpPr>
-        <p:spPr/>
-        <p:txBody>
-          <a:bodyPr/>
-          <a:lstStyle/>
-          <a:p>
-            <a:endParaRPr lang="en-US"/>
+        <p:spPr>
+          <a:xfrm>
+            <a:off x="1524000" y="1600200"/>
+            <a:ext cx="7620000" cy="4525963"/>
+          </a:xfrm>
+        </p:spPr>
+        <p:txBody>
+          <a:bodyPr>
+            <a:normAutofit/>
+          </a:bodyPr>
+          <a:lstStyle/>
+          <a:p>
+            <a:pPr marL="0" indent="0">
+              <a:buNone/>
+            </a:pPr>
+            <a:r>
+              <a:rPr lang="ro-RO" sz="7000" b="1" dirty="0" smtClean="0"/>
+              <a:t>S</a:t>
+            </a:r>
+            <a:r>
+              <a:rPr lang="ro-RO" sz="3500" dirty="0" smtClean="0"/>
+              <a:t>mart</a:t>
+            </a:r>
+            <a:endParaRPr lang="ro-RO" sz="6000" b="1" dirty="0" smtClean="0"/>
+          </a:p>
+          <a:p>
+            <a:pPr marL="0" indent="0">
+              <a:buNone/>
+            </a:pPr>
+            <a:r>
+              <a:rPr lang="ro-RO" sz="7000" b="1" dirty="0">
+                <a:solidFill>
+                  <a:prstClr val="black"/>
+                </a:solidFill>
+              </a:rPr>
+              <a:t>S</a:t>
+            </a:r>
+            <a:r>
+              <a:rPr lang="ro-RO" dirty="0" smtClean="0"/>
+              <a:t>exy</a:t>
+            </a:r>
+            <a:endParaRPr lang="ro-RO" sz="5400" b="1" dirty="0"/>
+          </a:p>
+          <a:p>
+            <a:pPr marL="0" indent="0">
+              <a:buNone/>
+            </a:pPr>
+            <a:r>
+              <a:rPr lang="ro-RO" sz="7000" b="1" dirty="0">
+                <a:solidFill>
+                  <a:prstClr val="black"/>
+                </a:solidFill>
+              </a:rPr>
+              <a:t>S</a:t>
+            </a:r>
+            <a:r>
+              <a:rPr lang="ro-RO" dirty="0" smtClean="0"/>
+              <a:t>ecure</a:t>
+            </a:r>
+            <a:endParaRPr lang="ro-RO" sz="5400" b="1" dirty="0"/>
+          </a:p>
+          <a:p>
+            <a:endParaRPr lang="ro-RO" dirty="0"/>
           </a:p>
         </p:txBody>
       </p:sp>
     </p:spTree>
     <p:extLst>
       <p:ext uri="{BB962C8B-B14F-4D97-AF65-F5344CB8AC3E}">
-        <p14:creationId xmlns:p14="http://schemas.microsoft.com/office/powerpoint/2010/main" val="3248991325"/>
+        <p14:creationId xmlns:p14="http://schemas.microsoft.com/office/powerpoint/2010/main" val="4211161795"/>
       </p:ext>
     </p:extLst>
   </p:cSld>
@@ -4539,7 +5121,547 @@
   <p:timing>
     <p:tnLst>
       <p:par>
-        <p:cTn id="1" dur="indefinite" restart="never" nodeType="tmRoot"/>
+        <p:cTn id="1" dur="indefinite" restart="never" nodeType="tmRoot">
+          <p:childTnLst>
+            <p:seq concurrent="1" nextAc="seek">
+              <p:cTn id="2" dur="indefinite" nodeType="mainSeq">
+                <p:childTnLst>
+                  <p:par>
+                    <p:cTn id="3" fill="hold">
+                      <p:stCondLst>
+                        <p:cond delay="indefinite"/>
+                        <p:cond evt="onBegin" delay="0">
+                          <p:tn val="2"/>
+                        </p:cond>
+                      </p:stCondLst>
+                      <p:childTnLst>
+                        <p:par>
+                          <p:cTn id="4" fill="hold">
+                            <p:stCondLst>
+                              <p:cond delay="0"/>
+                            </p:stCondLst>
+                            <p:childTnLst>
+                              <p:par>
+                                <p:cTn id="5" presetID="45" presetClass="entr" presetSubtype="0" fill="hold" nodeType="afterEffect">
+                                  <p:stCondLst>
+                                    <p:cond delay="0"/>
+                                  </p:stCondLst>
+                                  <p:childTnLst>
+                                    <p:set>
+                                      <p:cBhvr>
+                                        <p:cTn id="6" dur="1" fill="hold">
+                                          <p:stCondLst>
+                                            <p:cond delay="0"/>
+                                          </p:stCondLst>
+                                        </p:cTn>
+                                        <p:tgtEl>
+                                          <p:spTgt spid="3">
+                                            <p:txEl>
+                                              <p:pRg st="0" end="0"/>
+                                            </p:txEl>
+                                          </p:spTgt>
+                                        </p:tgtEl>
+                                        <p:attrNameLst>
+                                          <p:attrName>style.visibility</p:attrName>
+                                        </p:attrNameLst>
+                                      </p:cBhvr>
+                                      <p:to>
+                                        <p:strVal val="visible"/>
+                                      </p:to>
+                                    </p:set>
+                                    <p:animEffect transition="in" filter="fade">
+                                      <p:cBhvr>
+                                        <p:cTn id="7" dur="2000"/>
+                                        <p:tgtEl>
+                                          <p:spTgt spid="3">
+                                            <p:txEl>
+                                              <p:pRg st="0" end="0"/>
+                                            </p:txEl>
+                                          </p:spTgt>
+                                        </p:tgtEl>
+                                      </p:cBhvr>
+                                    </p:animEffect>
+                                    <p:anim calcmode="lin" valueType="num">
+                                      <p:cBhvr>
+                                        <p:cTn id="8" dur="2000" fill="hold"/>
+                                        <p:tgtEl>
+                                          <p:spTgt spid="3">
+                                            <p:txEl>
+                                              <p:pRg st="0" end="0"/>
+                                            </p:txEl>
+                                          </p:spTgt>
+                                        </p:tgtEl>
+                                        <p:attrNameLst>
+                                          <p:attrName>ppt_w</p:attrName>
+                                        </p:attrNameLst>
+                                      </p:cBhvr>
+                                      <p:tavLst>
+                                        <p:tav tm="0" fmla="#ppt_w*sin(2.5*pi*$)">
+                                          <p:val>
+                                            <p:fltVal val="0"/>
+                                          </p:val>
+                                        </p:tav>
+                                        <p:tav tm="100000">
+                                          <p:val>
+                                            <p:fltVal val="1"/>
+                                          </p:val>
+                                        </p:tav>
+                                      </p:tavLst>
+                                    </p:anim>
+                                    <p:anim calcmode="lin" valueType="num">
+                                      <p:cBhvr>
+                                        <p:cTn id="9" dur="2000" fill="hold"/>
+                                        <p:tgtEl>
+                                          <p:spTgt spid="3">
+                                            <p:txEl>
+                                              <p:pRg st="0" end="0"/>
+                                            </p:txEl>
+                                          </p:spTgt>
+                                        </p:tgtEl>
+                                        <p:attrNameLst>
+                                          <p:attrName>ppt_h</p:attrName>
+                                        </p:attrNameLst>
+                                      </p:cBhvr>
+                                      <p:tavLst>
+                                        <p:tav tm="0">
+                                          <p:val>
+                                            <p:strVal val="#ppt_h"/>
+                                          </p:val>
+                                        </p:tav>
+                                        <p:tav tm="100000">
+                                          <p:val>
+                                            <p:strVal val="#ppt_h"/>
+                                          </p:val>
+                                        </p:tav>
+                                      </p:tavLst>
+                                    </p:anim>
+                                  </p:childTnLst>
+                                </p:cTn>
+                              </p:par>
+                            </p:childTnLst>
+                          </p:cTn>
+                        </p:par>
+                        <p:par>
+                          <p:cTn id="10" fill="hold">
+                            <p:stCondLst>
+                              <p:cond delay="2000"/>
+                            </p:stCondLst>
+                            <p:childTnLst>
+                              <p:par>
+                                <p:cTn id="11" presetID="26" presetClass="entr" presetSubtype="0" fill="hold" nodeType="afterEffect">
+                                  <p:stCondLst>
+                                    <p:cond delay="0"/>
+                                  </p:stCondLst>
+                                  <p:childTnLst>
+                                    <p:set>
+                                      <p:cBhvr>
+                                        <p:cTn id="12" dur="1" fill="hold">
+                                          <p:stCondLst>
+                                            <p:cond delay="0"/>
+                                          </p:stCondLst>
+                                        </p:cTn>
+                                        <p:tgtEl>
+                                          <p:spTgt spid="3">
+                                            <p:txEl>
+                                              <p:pRg st="1" end="1"/>
+                                            </p:txEl>
+                                          </p:spTgt>
+                                        </p:tgtEl>
+                                        <p:attrNameLst>
+                                          <p:attrName>style.visibility</p:attrName>
+                                        </p:attrNameLst>
+                                      </p:cBhvr>
+                                      <p:to>
+                                        <p:strVal val="visible"/>
+                                      </p:to>
+                                    </p:set>
+                                    <p:animEffect transition="in" filter="wipe(down)">
+                                      <p:cBhvr>
+                                        <p:cTn id="13" dur="580">
+                                          <p:stCondLst>
+                                            <p:cond delay="0"/>
+                                          </p:stCondLst>
+                                        </p:cTn>
+                                        <p:tgtEl>
+                                          <p:spTgt spid="3">
+                                            <p:txEl>
+                                              <p:pRg st="1" end="1"/>
+                                            </p:txEl>
+                                          </p:spTgt>
+                                        </p:tgtEl>
+                                      </p:cBhvr>
+                                    </p:animEffect>
+                                    <p:anim calcmode="lin" valueType="num">
+                                      <p:cBhvr>
+                                        <p:cTn id="14" dur="1822" tmFilter="0,0; 0.14,0.36; 0.43,0.73; 0.71,0.91; 1.0,1.0">
+                                          <p:stCondLst>
+                                            <p:cond delay="0"/>
+                                          </p:stCondLst>
+                                        </p:cTn>
+                                        <p:tgtEl>
+                                          <p:spTgt spid="3">
+                                            <p:txEl>
+                                              <p:pRg st="1" end="1"/>
+                                            </p:txEl>
+                                          </p:spTgt>
+                                        </p:tgtEl>
+                                        <p:attrNameLst>
+                                          <p:attrName>ppt_x</p:attrName>
+                                        </p:attrNameLst>
+                                      </p:cBhvr>
+                                      <p:tavLst>
+                                        <p:tav tm="0">
+                                          <p:val>
+                                            <p:strVal val="#ppt_x-0.25"/>
+                                          </p:val>
+                                        </p:tav>
+                                        <p:tav tm="100000">
+                                          <p:val>
+                                            <p:strVal val="#ppt_x"/>
+                                          </p:val>
+                                        </p:tav>
+                                      </p:tavLst>
+                                    </p:anim>
+                                    <p:anim calcmode="lin" valueType="num">
+                                      <p:cBhvr>
+                                        <p:cTn id="15" dur="664" tmFilter="0.0,0.0; 0.25,0.07; 0.50,0.2; 0.75,0.467; 1.0,1.0">
+                                          <p:stCondLst>
+                                            <p:cond delay="0"/>
+                                          </p:stCondLst>
+                                        </p:cTn>
+                                        <p:tgtEl>
+                                          <p:spTgt spid="3">
+                                            <p:txEl>
+                                              <p:pRg st="1" end="1"/>
+                                            </p:txEl>
+                                          </p:spTgt>
+                                        </p:tgtEl>
+                                        <p:attrNameLst>
+                                          <p:attrName>ppt_y</p:attrName>
+                                        </p:attrNameLst>
+                                      </p:cBhvr>
+                                      <p:tavLst>
+                                        <p:tav tm="0" fmla="#ppt_y-sin(pi*$)/3">
+                                          <p:val>
+                                            <p:fltVal val="0.5"/>
+                                          </p:val>
+                                        </p:tav>
+                                        <p:tav tm="100000">
+                                          <p:val>
+                                            <p:fltVal val="1"/>
+                                          </p:val>
+                                        </p:tav>
+                                      </p:tavLst>
+                                    </p:anim>
+                                    <p:anim calcmode="lin" valueType="num">
+                                      <p:cBhvr>
+                                        <p:cTn id="16" dur="664" tmFilter="0, 0; 0.125,0.2665; 0.25,0.4; 0.375,0.465; 0.5,0.5;  0.625,0.535; 0.75,0.6; 0.875,0.7335; 1,1">
+                                          <p:stCondLst>
+                                            <p:cond delay="664"/>
+                                          </p:stCondLst>
+                                        </p:cTn>
+                                        <p:tgtEl>
+                                          <p:spTgt spid="3">
+                                            <p:txEl>
+                                              <p:pRg st="1" end="1"/>
+                                            </p:txEl>
+                                          </p:spTgt>
+                                        </p:tgtEl>
+                                        <p:attrNameLst>
+                                          <p:attrName>ppt_y</p:attrName>
+                                        </p:attrNameLst>
+                                      </p:cBhvr>
+                                      <p:tavLst>
+                                        <p:tav tm="0" fmla="#ppt_y-sin(pi*$)/9">
+                                          <p:val>
+                                            <p:fltVal val="0"/>
+                                          </p:val>
+                                        </p:tav>
+                                        <p:tav tm="100000">
+                                          <p:val>
+                                            <p:fltVal val="1"/>
+                                          </p:val>
+                                        </p:tav>
+                                      </p:tavLst>
+                                    </p:anim>
+                                    <p:anim calcmode="lin" valueType="num">
+                                      <p:cBhvr>
+                                        <p:cTn id="17" dur="332" tmFilter="0, 0; 0.125,0.2665; 0.25,0.4; 0.375,0.465; 0.5,0.5;  0.625,0.535; 0.75,0.6; 0.875,0.7335; 1,1">
+                                          <p:stCondLst>
+                                            <p:cond delay="1324"/>
+                                          </p:stCondLst>
+                                        </p:cTn>
+                                        <p:tgtEl>
+                                          <p:spTgt spid="3">
+                                            <p:txEl>
+                                              <p:pRg st="1" end="1"/>
+                                            </p:txEl>
+                                          </p:spTgt>
+                                        </p:tgtEl>
+                                        <p:attrNameLst>
+                                          <p:attrName>ppt_y</p:attrName>
+                                        </p:attrNameLst>
+                                      </p:cBhvr>
+                                      <p:tavLst>
+                                        <p:tav tm="0" fmla="#ppt_y-sin(pi*$)/27">
+                                          <p:val>
+                                            <p:fltVal val="0"/>
+                                          </p:val>
+                                        </p:tav>
+                                        <p:tav tm="100000">
+                                          <p:val>
+                                            <p:fltVal val="1"/>
+                                          </p:val>
+                                        </p:tav>
+                                      </p:tavLst>
+                                    </p:anim>
+                                    <p:anim calcmode="lin" valueType="num">
+                                      <p:cBhvr>
+                                        <p:cTn id="18" dur="164" tmFilter="0, 0; 0.125,0.2665; 0.25,0.4; 0.375,0.465; 0.5,0.5;  0.625,0.535; 0.75,0.6; 0.875,0.7335; 1,1">
+                                          <p:stCondLst>
+                                            <p:cond delay="1656"/>
+                                          </p:stCondLst>
+                                        </p:cTn>
+                                        <p:tgtEl>
+                                          <p:spTgt spid="3">
+                                            <p:txEl>
+                                              <p:pRg st="1" end="1"/>
+                                            </p:txEl>
+                                          </p:spTgt>
+                                        </p:tgtEl>
+                                        <p:attrNameLst>
+                                          <p:attrName>ppt_y</p:attrName>
+                                        </p:attrNameLst>
+                                      </p:cBhvr>
+                                      <p:tavLst>
+                                        <p:tav tm="0" fmla="#ppt_y-sin(pi*$)/81">
+                                          <p:val>
+                                            <p:fltVal val="0"/>
+                                          </p:val>
+                                        </p:tav>
+                                        <p:tav tm="100000">
+                                          <p:val>
+                                            <p:fltVal val="1"/>
+                                          </p:val>
+                                        </p:tav>
+                                      </p:tavLst>
+                                    </p:anim>
+                                    <p:animScale>
+                                      <p:cBhvr>
+                                        <p:cTn id="19" dur="26">
+                                          <p:stCondLst>
+                                            <p:cond delay="650"/>
+                                          </p:stCondLst>
+                                        </p:cTn>
+                                        <p:tgtEl>
+                                          <p:spTgt spid="3">
+                                            <p:txEl>
+                                              <p:pRg st="1" end="1"/>
+                                            </p:txEl>
+                                          </p:spTgt>
+                                        </p:tgtEl>
+                                      </p:cBhvr>
+                                      <p:to x="100000" y="60000"/>
+                                    </p:animScale>
+                                    <p:animScale>
+                                      <p:cBhvr>
+                                        <p:cTn id="20" dur="166" decel="50000">
+                                          <p:stCondLst>
+                                            <p:cond delay="676"/>
+                                          </p:stCondLst>
+                                        </p:cTn>
+                                        <p:tgtEl>
+                                          <p:spTgt spid="3">
+                                            <p:txEl>
+                                              <p:pRg st="1" end="1"/>
+                                            </p:txEl>
+                                          </p:spTgt>
+                                        </p:tgtEl>
+                                      </p:cBhvr>
+                                      <p:to x="100000" y="100000"/>
+                                    </p:animScale>
+                                    <p:animScale>
+                                      <p:cBhvr>
+                                        <p:cTn id="21" dur="26">
+                                          <p:stCondLst>
+                                            <p:cond delay="1312"/>
+                                          </p:stCondLst>
+                                        </p:cTn>
+                                        <p:tgtEl>
+                                          <p:spTgt spid="3">
+                                            <p:txEl>
+                                              <p:pRg st="1" end="1"/>
+                                            </p:txEl>
+                                          </p:spTgt>
+                                        </p:tgtEl>
+                                      </p:cBhvr>
+                                      <p:to x="100000" y="80000"/>
+                                    </p:animScale>
+                                    <p:animScale>
+                                      <p:cBhvr>
+                                        <p:cTn id="22" dur="166" decel="50000">
+                                          <p:stCondLst>
+                                            <p:cond delay="1338"/>
+                                          </p:stCondLst>
+                                        </p:cTn>
+                                        <p:tgtEl>
+                                          <p:spTgt spid="3">
+                                            <p:txEl>
+                                              <p:pRg st="1" end="1"/>
+                                            </p:txEl>
+                                          </p:spTgt>
+                                        </p:tgtEl>
+                                      </p:cBhvr>
+                                      <p:to x="100000" y="100000"/>
+                                    </p:animScale>
+                                    <p:animScale>
+                                      <p:cBhvr>
+                                        <p:cTn id="23" dur="26">
+                                          <p:stCondLst>
+                                            <p:cond delay="1642"/>
+                                          </p:stCondLst>
+                                        </p:cTn>
+                                        <p:tgtEl>
+                                          <p:spTgt spid="3">
+                                            <p:txEl>
+                                              <p:pRg st="1" end="1"/>
+                                            </p:txEl>
+                                          </p:spTgt>
+                                        </p:tgtEl>
+                                      </p:cBhvr>
+                                      <p:to x="100000" y="90000"/>
+                                    </p:animScale>
+                                    <p:animScale>
+                                      <p:cBhvr>
+                                        <p:cTn id="24" dur="166" decel="50000">
+                                          <p:stCondLst>
+                                            <p:cond delay="1668"/>
+                                          </p:stCondLst>
+                                        </p:cTn>
+                                        <p:tgtEl>
+                                          <p:spTgt spid="3">
+                                            <p:txEl>
+                                              <p:pRg st="1" end="1"/>
+                                            </p:txEl>
+                                          </p:spTgt>
+                                        </p:tgtEl>
+                                      </p:cBhvr>
+                                      <p:to x="100000" y="100000"/>
+                                    </p:animScale>
+                                    <p:animScale>
+                                      <p:cBhvr>
+                                        <p:cTn id="25" dur="26">
+                                          <p:stCondLst>
+                                            <p:cond delay="1808"/>
+                                          </p:stCondLst>
+                                        </p:cTn>
+                                        <p:tgtEl>
+                                          <p:spTgt spid="3">
+                                            <p:txEl>
+                                              <p:pRg st="1" end="1"/>
+                                            </p:txEl>
+                                          </p:spTgt>
+                                        </p:tgtEl>
+                                      </p:cBhvr>
+                                      <p:to x="100000" y="95000"/>
+                                    </p:animScale>
+                                    <p:animScale>
+                                      <p:cBhvr>
+                                        <p:cTn id="26" dur="166" decel="50000">
+                                          <p:stCondLst>
+                                            <p:cond delay="1834"/>
+                                          </p:stCondLst>
+                                        </p:cTn>
+                                        <p:tgtEl>
+                                          <p:spTgt spid="3">
+                                            <p:txEl>
+                                              <p:pRg st="1" end="1"/>
+                                            </p:txEl>
+                                          </p:spTgt>
+                                        </p:tgtEl>
+                                      </p:cBhvr>
+                                      <p:to x="100000" y="100000"/>
+                                    </p:animScale>
+                                  </p:childTnLst>
+                                </p:cTn>
+                              </p:par>
+                            </p:childTnLst>
+                          </p:cTn>
+                        </p:par>
+                        <p:par>
+                          <p:cTn id="27" fill="hold">
+                            <p:stCondLst>
+                              <p:cond delay="4000"/>
+                            </p:stCondLst>
+                            <p:childTnLst>
+                              <p:par>
+                                <p:cTn id="28" presetID="22" presetClass="entr" presetSubtype="4" fill="hold" nodeType="afterEffect">
+                                  <p:stCondLst>
+                                    <p:cond delay="0"/>
+                                  </p:stCondLst>
+                                  <p:childTnLst>
+                                    <p:set>
+                                      <p:cBhvr>
+                                        <p:cTn id="29" dur="1" fill="hold">
+                                          <p:stCondLst>
+                                            <p:cond delay="0"/>
+                                          </p:stCondLst>
+                                        </p:cTn>
+                                        <p:tgtEl>
+                                          <p:spTgt spid="3">
+                                            <p:txEl>
+                                              <p:pRg st="2" end="2"/>
+                                            </p:txEl>
+                                          </p:spTgt>
+                                        </p:tgtEl>
+                                        <p:attrNameLst>
+                                          <p:attrName>style.visibility</p:attrName>
+                                        </p:attrNameLst>
+                                      </p:cBhvr>
+                                      <p:to>
+                                        <p:strVal val="visible"/>
+                                      </p:to>
+                                    </p:set>
+                                    <p:animEffect transition="in" filter="wipe(down)">
+                                      <p:cBhvr>
+                                        <p:cTn id="30" dur="500"/>
+                                        <p:tgtEl>
+                                          <p:spTgt spid="3">
+                                            <p:txEl>
+                                              <p:pRg st="2" end="2"/>
+                                            </p:txEl>
+                                          </p:spTgt>
+                                        </p:tgtEl>
+                                      </p:cBhvr>
+                                    </p:animEffect>
+                                  </p:childTnLst>
+                                </p:cTn>
+                              </p:par>
+                            </p:childTnLst>
+                          </p:cTn>
+                        </p:par>
+                      </p:childTnLst>
+                    </p:cTn>
+                  </p:par>
+                </p:childTnLst>
+              </p:cTn>
+              <p:prevCondLst>
+                <p:cond evt="onPrev" delay="0">
+                  <p:tgtEl>
+                    <p:sldTgt/>
+                  </p:tgtEl>
+                </p:cond>
+              </p:prevCondLst>
+              <p:nextCondLst>
+                <p:cond evt="onNext" delay="0">
+                  <p:tgtEl>
+                    <p:sldTgt/>
+                  </p:tgtEl>
+                </p:cond>
+              </p:nextCondLst>
+            </p:seq>
+          </p:childTnLst>
+        </p:cTn>
       </p:par>
     </p:tnLst>
   </p:timing>
@@ -4565,6 +5687,133 @@
       </p:grpSpPr>
       <p:sp>
         <p:nvSpPr>
+          <p:cNvPr id="4" name="Rectangle 3"/>
+          <p:cNvSpPr/>
+          <p:nvPr/>
+        </p:nvSpPr>
+        <p:spPr>
+          <a:xfrm>
+            <a:off x="228600" y="0"/>
+            <a:ext cx="152400" cy="6858000"/>
+          </a:xfrm>
+          <a:prstGeom prst="rect">
+            <a:avLst/>
+          </a:prstGeom>
+          <a:solidFill>
+            <a:srgbClr val="17375E"/>
+          </a:solidFill>
+        </p:spPr>
+        <p:style>
+          <a:lnRef idx="2">
+            <a:schemeClr val="accent1">
+              <a:shade val="50000"/>
+            </a:schemeClr>
+          </a:lnRef>
+          <a:fillRef idx="1">
+            <a:schemeClr val="accent1"/>
+          </a:fillRef>
+          <a:effectRef idx="0">
+            <a:schemeClr val="accent1"/>
+          </a:effectRef>
+          <a:fontRef idx="minor">
+            <a:schemeClr val="lt1"/>
+          </a:fontRef>
+        </p:style>
+        <p:txBody>
+          <a:bodyPr rtlCol="0" anchor="ctr"/>
+          <a:lstStyle/>
+          <a:p>
+            <a:pPr algn="ctr"/>
+            <a:endParaRPr lang="en-US"/>
+          </a:p>
+        </p:txBody>
+      </p:sp>
+      <p:sp>
+        <p:nvSpPr>
+          <p:cNvPr id="7" name="Rectangle 6"/>
+          <p:cNvSpPr/>
+          <p:nvPr/>
+        </p:nvSpPr>
+        <p:spPr>
+          <a:xfrm>
+            <a:off x="533400" y="0"/>
+            <a:ext cx="381000" cy="6858000"/>
+          </a:xfrm>
+          <a:prstGeom prst="rect">
+            <a:avLst/>
+          </a:prstGeom>
+          <a:solidFill>
+            <a:srgbClr val="17375E"/>
+          </a:solidFill>
+        </p:spPr>
+        <p:style>
+          <a:lnRef idx="2">
+            <a:schemeClr val="accent1">
+              <a:shade val="50000"/>
+            </a:schemeClr>
+          </a:lnRef>
+          <a:fillRef idx="1">
+            <a:schemeClr val="accent1"/>
+          </a:fillRef>
+          <a:effectRef idx="0">
+            <a:schemeClr val="accent1"/>
+          </a:effectRef>
+          <a:fontRef idx="minor">
+            <a:schemeClr val="lt1"/>
+          </a:fontRef>
+        </p:style>
+        <p:txBody>
+          <a:bodyPr rtlCol="0" anchor="ctr"/>
+          <a:lstStyle/>
+          <a:p>
+            <a:pPr algn="ctr"/>
+            <a:endParaRPr lang="en-US"/>
+          </a:p>
+        </p:txBody>
+      </p:sp>
+      <p:pic>
+        <p:nvPicPr>
+          <p:cNvPr id="5" name="Picture 2" descr="C:\Users\Beaa\Desktop\NTT-Gym-Logo-final.png"/>
+          <p:cNvPicPr>
+            <a:picLocks noChangeAspect="1" noChangeArrowheads="1"/>
+          </p:cNvPicPr>
+          <p:nvPr/>
+        </p:nvPicPr>
+        <p:blipFill>
+          <a:blip r:embed="rId2">
+            <a:extLst>
+              <a:ext uri="{28A0092B-C50C-407E-A947-70E740481C1C}">
+                <a14:useLocalDpi xmlns:a14="http://schemas.microsoft.com/office/drawing/2010/main" val="0"/>
+              </a:ext>
+            </a:extLst>
+          </a:blip>
+          <a:srcRect/>
+          <a:stretch>
+            <a:fillRect/>
+          </a:stretch>
+        </p:blipFill>
+        <p:spPr bwMode="auto">
+          <a:xfrm>
+            <a:off x="6934200" y="28554"/>
+            <a:ext cx="2057400" cy="524569"/>
+          </a:xfrm>
+          <a:prstGeom prst="rect">
+            <a:avLst/>
+          </a:prstGeom>
+          <a:noFill/>
+          <a:extLst>
+            <a:ext uri="{909E8E84-426E-40DD-AFC4-6F175D3DCCD1}">
+              <a14:hiddenFill xmlns:a14="http://schemas.microsoft.com/office/drawing/2010/main">
+                <a:solidFill>
+                  <a:srgbClr val="FFFFFF"/>
+                </a:solidFill>
+              </a14:hiddenFill>
+            </a:ext>
+          </a:extLst>
+        </p:spPr>
+      </p:pic>
+      <p:sp>
+        <p:nvSpPr>
           <p:cNvPr id="2" name="Title 1"/>
           <p:cNvSpPr>
             <a:spLocks noGrp="1"/>
@@ -4575,10 +5824,16 @@
         </p:nvSpPr>
         <p:spPr/>
         <p:txBody>
-          <a:bodyPr/>
-          <a:lstStyle/>
-          <a:p>
-            <a:endParaRPr lang="en-US"/>
+          <a:bodyPr>
+            <a:normAutofit/>
+          </a:bodyPr>
+          <a:lstStyle/>
+          <a:p>
+            <a:r>
+              <a:rPr lang="ro-RO" dirty="0" smtClean="0"/>
+              <a:t>Future Work</a:t>
+            </a:r>
+            <a:endParaRPr lang="ro-RO" dirty="0"/>
           </a:p>
         </p:txBody>
       </p:sp>
@@ -4592,19 +5847,99 @@
             <p:ph idx="1"/>
           </p:nvPr>
         </p:nvSpPr>
-        <p:spPr/>
-        <p:txBody>
-          <a:bodyPr/>
-          <a:lstStyle/>
-          <a:p>
-            <a:endParaRPr lang="en-US"/>
+        <p:spPr>
+          <a:xfrm>
+            <a:off x="914400" y="1600200"/>
+            <a:ext cx="8229600" cy="4525963"/>
+          </a:xfrm>
+        </p:spPr>
+        <p:txBody>
+          <a:bodyPr>
+            <a:normAutofit lnSpcReduction="10000"/>
+          </a:bodyPr>
+          <a:lstStyle/>
+          <a:p>
+            <a:r>
+              <a:rPr lang="ro-RO" dirty="0" smtClean="0">
+                <a:latin typeface="Calibri Light" pitchFamily="34" charset="0"/>
+                <a:cs typeface="Calibri Light" pitchFamily="34" charset="0"/>
+              </a:rPr>
+              <a:t>Live Chat &amp; Support</a:t>
+            </a:r>
+          </a:p>
+          <a:p>
+            <a:r>
+              <a:rPr lang="ro-RO" dirty="0" smtClean="0">
+                <a:latin typeface="Calibri Light" pitchFamily="34" charset="0"/>
+                <a:cs typeface="Calibri Light" pitchFamily="34" charset="0"/>
+              </a:rPr>
+              <a:t>Online Payments</a:t>
+            </a:r>
+          </a:p>
+          <a:p>
+            <a:r>
+              <a:rPr lang="ro-RO" dirty="0" smtClean="0">
+                <a:latin typeface="Calibri Light" pitchFamily="34" charset="0"/>
+                <a:cs typeface="Calibri Light" pitchFamily="34" charset="0"/>
+              </a:rPr>
+              <a:t>Workout Presentation Videos</a:t>
+            </a:r>
+          </a:p>
+          <a:p>
+            <a:r>
+              <a:rPr lang="ro-RO" dirty="0" smtClean="0">
+                <a:latin typeface="Calibri Light" pitchFamily="34" charset="0"/>
+                <a:cs typeface="Calibri Light" pitchFamily="34" charset="0"/>
+              </a:rPr>
+              <a:t>Gallery of gym resources</a:t>
+            </a:r>
+          </a:p>
+          <a:p>
+            <a:r>
+              <a:rPr lang="ro-RO" dirty="0" smtClean="0">
+                <a:latin typeface="Calibri Light" pitchFamily="34" charset="0"/>
+                <a:cs typeface="Calibri Light" pitchFamily="34" charset="0"/>
+              </a:rPr>
+              <a:t>Home: recommendations</a:t>
+            </a:r>
+          </a:p>
+          <a:p>
+            <a:r>
+              <a:rPr lang="ro-RO" dirty="0" smtClean="0">
+                <a:latin typeface="Calibri Light" pitchFamily="34" charset="0"/>
+                <a:cs typeface="Calibri Light" pitchFamily="34" charset="0"/>
+              </a:rPr>
+              <a:t>Health Blog</a:t>
+            </a:r>
+          </a:p>
+          <a:p>
+            <a:r>
+              <a:rPr lang="ro-RO" dirty="0" smtClean="0">
+                <a:latin typeface="Calibri Light" pitchFamily="34" charset="0"/>
+                <a:cs typeface="Calibri Light" pitchFamily="34" charset="0"/>
+              </a:rPr>
+              <a:t>eShop</a:t>
+            </a:r>
+          </a:p>
+          <a:p>
+            <a:r>
+              <a:rPr lang="ro-RO" dirty="0" smtClean="0">
+                <a:latin typeface="Calibri Light" pitchFamily="34" charset="0"/>
+                <a:cs typeface="Calibri Light" pitchFamily="34" charset="0"/>
+              </a:rPr>
+              <a:t>Personal Trainer choice</a:t>
+            </a:r>
+            <a:endParaRPr lang="ro-RO" dirty="0">
+              <a:latin typeface="Calibri Light" pitchFamily="34" charset="0"/>
+              <a:cs typeface="Calibri Light" pitchFamily="34" charset="0"/>
+            </a:endParaRPr>
           </a:p>
         </p:txBody>
       </p:sp>
     </p:spTree>
     <p:extLst>
       <p:ext uri="{BB962C8B-B14F-4D97-AF65-F5344CB8AC3E}">
-        <p14:creationId xmlns:p14="http://schemas.microsoft.com/office/powerpoint/2010/main" val="885371352"/>
+        <p14:creationId xmlns:p14="http://schemas.microsoft.com/office/powerpoint/2010/main" val="3349962476"/>
       </p:ext>
     </p:extLst>
   </p:cSld>
@@ -4640,6 +5975,133 @@
       </p:grpSpPr>
       <p:sp>
         <p:nvSpPr>
+          <p:cNvPr id="4" name="Rectangle 3"/>
+          <p:cNvSpPr/>
+          <p:nvPr/>
+        </p:nvSpPr>
+        <p:spPr>
+          <a:xfrm>
+            <a:off x="228600" y="0"/>
+            <a:ext cx="152400" cy="6858000"/>
+          </a:xfrm>
+          <a:prstGeom prst="rect">
+            <a:avLst/>
+          </a:prstGeom>
+          <a:solidFill>
+            <a:srgbClr val="17375E"/>
+          </a:solidFill>
+        </p:spPr>
+        <p:style>
+          <a:lnRef idx="2">
+            <a:schemeClr val="accent1">
+              <a:shade val="50000"/>
+            </a:schemeClr>
+          </a:lnRef>
+          <a:fillRef idx="1">
+            <a:schemeClr val="accent1"/>
+          </a:fillRef>
+          <a:effectRef idx="0">
+            <a:schemeClr val="accent1"/>
+          </a:effectRef>
+          <a:fontRef idx="minor">
+            <a:schemeClr val="lt1"/>
+          </a:fontRef>
+        </p:style>
+        <p:txBody>
+          <a:bodyPr rtlCol="0" anchor="ctr"/>
+          <a:lstStyle/>
+          <a:p>
+            <a:pPr algn="ctr"/>
+            <a:endParaRPr lang="en-US"/>
+          </a:p>
+        </p:txBody>
+      </p:sp>
+      <p:sp>
+        <p:nvSpPr>
+          <p:cNvPr id="7" name="Rectangle 6"/>
+          <p:cNvSpPr/>
+          <p:nvPr/>
+        </p:nvSpPr>
+        <p:spPr>
+          <a:xfrm>
+            <a:off x="533400" y="0"/>
+            <a:ext cx="381000" cy="6858000"/>
+          </a:xfrm>
+          <a:prstGeom prst="rect">
+            <a:avLst/>
+          </a:prstGeom>
+          <a:solidFill>
+            <a:srgbClr val="17375E"/>
+          </a:solidFill>
+        </p:spPr>
+        <p:style>
+          <a:lnRef idx="2">
+            <a:schemeClr val="accent1">
+              <a:shade val="50000"/>
+            </a:schemeClr>
+          </a:lnRef>
+          <a:fillRef idx="1">
+            <a:schemeClr val="accent1"/>
+          </a:fillRef>
+          <a:effectRef idx="0">
+            <a:schemeClr val="accent1"/>
+          </a:effectRef>
+          <a:fontRef idx="minor">
+            <a:schemeClr val="lt1"/>
+          </a:fontRef>
+        </p:style>
+        <p:txBody>
+          <a:bodyPr rtlCol="0" anchor="ctr"/>
+          <a:lstStyle/>
+          <a:p>
+            <a:pPr algn="ctr"/>
+            <a:endParaRPr lang="en-US"/>
+          </a:p>
+        </p:txBody>
+      </p:sp>
+      <p:pic>
+        <p:nvPicPr>
+          <p:cNvPr id="5" name="Picture 2" descr="C:\Users\Beaa\Desktop\NTT-Gym-Logo-final.png"/>
+          <p:cNvPicPr>
+            <a:picLocks noChangeAspect="1" noChangeArrowheads="1"/>
+          </p:cNvPicPr>
+          <p:nvPr/>
+        </p:nvPicPr>
+        <p:blipFill>
+          <a:blip r:embed="rId2">
+            <a:extLst>
+              <a:ext uri="{28A0092B-C50C-407E-A947-70E740481C1C}">
+                <a14:useLocalDpi xmlns:a14="http://schemas.microsoft.com/office/drawing/2010/main" val="0"/>
+              </a:ext>
+            </a:extLst>
+          </a:blip>
+          <a:srcRect/>
+          <a:stretch>
+            <a:fillRect/>
+          </a:stretch>
+        </p:blipFill>
+        <p:spPr bwMode="auto">
+          <a:xfrm>
+            <a:off x="6934200" y="28554"/>
+            <a:ext cx="2057400" cy="524569"/>
+          </a:xfrm>
+          <a:prstGeom prst="rect">
+            <a:avLst/>
+          </a:prstGeom>
+          <a:noFill/>
+          <a:extLst>
+            <a:ext uri="{909E8E84-426E-40DD-AFC4-6F175D3DCCD1}">
+              <a14:hiddenFill xmlns:a14="http://schemas.microsoft.com/office/drawing/2010/main">
+                <a:solidFill>
+                  <a:srgbClr val="FFFFFF"/>
+                </a:solidFill>
+              </a14:hiddenFill>
+            </a:ext>
+          </a:extLst>
+        </p:spPr>
+      </p:pic>
+      <p:sp>
+        <p:nvSpPr>
           <p:cNvPr id="2" name="Title 1"/>
           <p:cNvSpPr>
             <a:spLocks noGrp="1"/>
@@ -4650,10 +6112,16 @@
         </p:nvSpPr>
         <p:spPr/>
         <p:txBody>
-          <a:bodyPr/>
-          <a:lstStyle/>
-          <a:p>
-            <a:endParaRPr lang="en-US"/>
+          <a:bodyPr>
+            <a:normAutofit/>
+          </a:bodyPr>
+          <a:lstStyle/>
+          <a:p>
+            <a:r>
+              <a:rPr lang="ro-RO" dirty="0" smtClean="0"/>
+              <a:t>Questions</a:t>
+            </a:r>
+            <a:endParaRPr lang="ro-RO" dirty="0"/>
           </a:p>
         </p:txBody>
       </p:sp>
@@ -4667,19 +6135,26 @@
             <p:ph idx="1"/>
           </p:nvPr>
         </p:nvSpPr>
-        <p:spPr/>
-        <p:txBody>
-          <a:bodyPr/>
-          <a:lstStyle/>
-          <a:p>
-            <a:endParaRPr lang="en-US"/>
+        <p:spPr>
+          <a:xfrm>
+            <a:off x="914400" y="1600200"/>
+            <a:ext cx="8229600" cy="4525963"/>
+          </a:xfrm>
+        </p:spPr>
+        <p:txBody>
+          <a:bodyPr>
+            <a:normAutofit/>
+          </a:bodyPr>
+          <a:lstStyle/>
+          <a:p>
+            <a:endParaRPr lang="ro-RO" dirty="0"/>
           </a:p>
         </p:txBody>
       </p:sp>
     </p:spTree>
     <p:extLst>
       <p:ext uri="{BB962C8B-B14F-4D97-AF65-F5344CB8AC3E}">
-        <p14:creationId xmlns:p14="http://schemas.microsoft.com/office/powerpoint/2010/main" val="2163031017"/>
+        <p14:creationId xmlns:p14="http://schemas.microsoft.com/office/powerpoint/2010/main" val="2342613858"/>
       </p:ext>
     </p:extLst>
   </p:cSld>
@@ -4785,7 +6260,7 @@
         <p:spPr>
           <a:xfrm>
             <a:off x="571500" y="914400"/>
-            <a:ext cx="2590800" cy="3416320"/>
+            <a:ext cx="2590800" cy="3785652"/>
           </a:xfrm>
           <a:prstGeom prst="rect">
             <a:avLst/>
@@ -4812,8 +6287,16 @@
               </a:rPr>
               <a:t>Task</a:t>
             </a:r>
-          </a:p>
-          <a:p>
+            <a:r>
+              <a:rPr lang="ro-RO" sz="2400" dirty="0" smtClean="0">
+                <a:solidFill>
+                  <a:schemeClr val="bg1"/>
+                </a:solidFill>
+                <a:latin typeface="Times New Roman" pitchFamily="18" charset="0"/>
+                <a:cs typeface="Times New Roman" pitchFamily="18" charset="0"/>
+              </a:rPr>
+              <a:t>s</a:t>
+            </a:r>
             <a:endParaRPr lang="en-US" sz="2400" dirty="0" smtClean="0">
               <a:solidFill>
                 <a:schemeClr val="bg1"/>
@@ -4823,22 +6306,6 @@
             </a:endParaRPr>
           </a:p>
           <a:p>
-            <a:pPr marL="457200" indent="-457200">
-              <a:buFont typeface="Arial" pitchFamily="34" charset="0"/>
-              <a:buChar char="•"/>
-            </a:pPr>
-            <a:r>
-              <a:rPr lang="en-US" sz="2400" dirty="0" smtClean="0">
-                <a:solidFill>
-                  <a:schemeClr val="bg1"/>
-                </a:solidFill>
-                <a:latin typeface="Times New Roman" pitchFamily="18" charset="0"/>
-                <a:cs typeface="Times New Roman" pitchFamily="18" charset="0"/>
-              </a:rPr>
-              <a:t>Our Approach</a:t>
-            </a:r>
-          </a:p>
-          <a:p>
             <a:endParaRPr lang="en-US" sz="2400" dirty="0" smtClean="0">
               <a:solidFill>
                 <a:schemeClr val="bg1"/>
@@ -4860,7 +6327,7 @@
                 <a:latin typeface="Times New Roman" pitchFamily="18" charset="0"/>
                 <a:cs typeface="Times New Roman" pitchFamily="18" charset="0"/>
               </a:rPr>
-              <a:t>Our Solution</a:t>
+              <a:t>Our Approach</a:t>
             </a:r>
           </a:p>
           <a:p>
@@ -4912,6 +6379,55 @@
               </a:rPr>
               <a:t>Summary</a:t>
             </a:r>
+            <a:endParaRPr lang="ro-RO" sz="2400" dirty="0">
+              <a:solidFill>
+                <a:schemeClr val="bg1"/>
+              </a:solidFill>
+              <a:latin typeface="Times New Roman" pitchFamily="18" charset="0"/>
+              <a:cs typeface="Times New Roman" pitchFamily="18" charset="0"/>
+            </a:endParaRPr>
+          </a:p>
+          <a:p>
+            <a:pPr marL="457200" indent="-457200">
+              <a:buFont typeface="Arial" pitchFamily="34" charset="0"/>
+              <a:buChar char="•"/>
+            </a:pPr>
+            <a:endParaRPr lang="ro-RO" sz="2400" dirty="0">
+              <a:solidFill>
+                <a:schemeClr val="bg1"/>
+              </a:solidFill>
+              <a:latin typeface="Times New Roman" pitchFamily="18" charset="0"/>
+              <a:cs typeface="Times New Roman" pitchFamily="18" charset="0"/>
+            </a:endParaRPr>
+          </a:p>
+          <a:p>
+            <a:pPr marL="457200" indent="-457200">
+              <a:buFont typeface="Arial" pitchFamily="34" charset="0"/>
+              <a:buChar char="•"/>
+            </a:pPr>
+            <a:r>
+              <a:rPr lang="ro-RO" sz="2400" dirty="0">
+                <a:solidFill>
+                  <a:schemeClr val="bg1"/>
+                </a:solidFill>
+                <a:latin typeface="Times New Roman" pitchFamily="18" charset="0"/>
+                <a:cs typeface="Times New Roman" pitchFamily="18" charset="0"/>
+              </a:rPr>
+              <a:t>Future Work</a:t>
+            </a:r>
+            <a:endParaRPr lang="en-US" sz="2400" dirty="0">
+              <a:solidFill>
+                <a:schemeClr val="bg1"/>
+              </a:solidFill>
+              <a:latin typeface="Times New Roman" pitchFamily="18" charset="0"/>
+              <a:cs typeface="Times New Roman" pitchFamily="18" charset="0"/>
+            </a:endParaRPr>
+          </a:p>
+          <a:p>
+            <a:pPr marL="457200" indent="-457200">
+              <a:buFont typeface="Arial" pitchFamily="34" charset="0"/>
+              <a:buChar char="•"/>
+            </a:pPr>
             <a:endParaRPr lang="en-US" sz="2400" dirty="0">
               <a:solidFill>
                 <a:schemeClr val="bg1"/>
@@ -5031,7 +6547,7 @@
         <p:spPr>
           <a:xfrm>
             <a:off x="571500" y="914400"/>
-            <a:ext cx="2590800" cy="3539430"/>
+            <a:ext cx="2590800" cy="3908762"/>
           </a:xfrm>
           <a:prstGeom prst="rect">
             <a:avLst/>
@@ -5058,6 +6574,23 @@
               </a:rPr>
               <a:t>Task</a:t>
             </a:r>
+            <a:r>
+              <a:rPr lang="ro-RO" sz="3200" b="1" dirty="0" smtClean="0">
+                <a:solidFill>
+                  <a:schemeClr val="bg1"/>
+                </a:solidFill>
+                <a:latin typeface="Times New Roman" pitchFamily="18" charset="0"/>
+                <a:cs typeface="Times New Roman" pitchFamily="18" charset="0"/>
+              </a:rPr>
+              <a:t>s</a:t>
+            </a:r>
+            <a:endParaRPr lang="en-US" sz="3200" b="1" dirty="0" smtClean="0">
+              <a:solidFill>
+                <a:schemeClr val="bg1"/>
+              </a:solidFill>
+              <a:latin typeface="Times New Roman" pitchFamily="18" charset="0"/>
+              <a:cs typeface="Times New Roman" pitchFamily="18" charset="0"/>
+            </a:endParaRPr>
           </a:p>
           <a:p>
             <a:endParaRPr lang="en-US" sz="2400" dirty="0" smtClean="0">
@@ -5106,7 +6639,7 @@
                 <a:latin typeface="Times New Roman" pitchFamily="18" charset="0"/>
                 <a:cs typeface="Times New Roman" pitchFamily="18" charset="0"/>
               </a:rPr>
-              <a:t>Our Solution</a:t>
+              <a:t>Demo</a:t>
             </a:r>
           </a:p>
           <a:p>
@@ -5131,11 +6664,9 @@
                 <a:latin typeface="Times New Roman" pitchFamily="18" charset="0"/>
                 <a:cs typeface="Times New Roman" pitchFamily="18" charset="0"/>
               </a:rPr>
-              <a:t>Demo</a:t>
-            </a:r>
-          </a:p>
-          <a:p>
-            <a:endParaRPr lang="en-US" sz="2400" dirty="0" smtClean="0">
+              <a:t>Summary</a:t>
+            </a:r>
+            <a:endParaRPr lang="ro-RO" sz="2400" dirty="0">
               <a:solidFill>
                 <a:schemeClr val="bg1"/>
               </a:solidFill>
@@ -5148,16 +6679,42 @@
               <a:buFont typeface="Arial" pitchFamily="34" charset="0"/>
               <a:buChar char="•"/>
             </a:pPr>
-            <a:r>
-              <a:rPr lang="en-US" sz="2400" dirty="0" smtClean="0">
+            <a:endParaRPr lang="ro-RO" sz="2400" dirty="0">
+              <a:solidFill>
+                <a:schemeClr val="bg1"/>
+              </a:solidFill>
+              <a:latin typeface="Times New Roman" pitchFamily="18" charset="0"/>
+              <a:cs typeface="Times New Roman" pitchFamily="18" charset="0"/>
+            </a:endParaRPr>
+          </a:p>
+          <a:p>
+            <a:pPr marL="457200" indent="-457200">
+              <a:buFont typeface="Arial" pitchFamily="34" charset="0"/>
+              <a:buChar char="•"/>
+            </a:pPr>
+            <a:r>
+              <a:rPr lang="ro-RO" sz="2400" dirty="0">
                 <a:solidFill>
                   <a:schemeClr val="bg1"/>
                 </a:solidFill>
                 <a:latin typeface="Times New Roman" pitchFamily="18" charset="0"/>
                 <a:cs typeface="Times New Roman" pitchFamily="18" charset="0"/>
               </a:rPr>
-              <a:t>Summary</a:t>
-            </a:r>
+              <a:t>Future Work</a:t>
+            </a:r>
+            <a:endParaRPr lang="en-US" sz="2400" dirty="0">
+              <a:solidFill>
+                <a:schemeClr val="bg1"/>
+              </a:solidFill>
+              <a:latin typeface="Times New Roman" pitchFamily="18" charset="0"/>
+              <a:cs typeface="Times New Roman" pitchFamily="18" charset="0"/>
+            </a:endParaRPr>
+          </a:p>
+          <a:p>
+            <a:pPr marL="457200" indent="-457200">
+              <a:buFont typeface="Arial" pitchFamily="34" charset="0"/>
+              <a:buChar char="•"/>
+            </a:pPr>
             <a:endParaRPr lang="en-US" sz="2400" dirty="0">
               <a:solidFill>
                 <a:schemeClr val="bg1"/>
@@ -5359,7 +6916,28 @@
                 <a:latin typeface="Times New Roman" pitchFamily="18" charset="0"/>
                 <a:cs typeface="Times New Roman" pitchFamily="18" charset="0"/>
               </a:rPr>
-              <a:t>Task: NTT-Gym Website</a:t>
+              <a:t>Task</a:t>
+            </a:r>
+            <a:r>
+              <a:rPr lang="ro-RO" sz="4000" dirty="0" smtClean="0">
+                <a:latin typeface="Times New Roman" pitchFamily="18" charset="0"/>
+                <a:cs typeface="Times New Roman" pitchFamily="18" charset="0"/>
+              </a:rPr>
+              <a:t>s</a:t>
+            </a:r>
+            <a:r>
+              <a:rPr lang="en-US" sz="4000" dirty="0" smtClean="0">
+                <a:latin typeface="Times New Roman" pitchFamily="18" charset="0"/>
+                <a:cs typeface="Times New Roman" pitchFamily="18" charset="0"/>
+              </a:rPr>
+              <a:t>: </a:t>
+            </a:r>
+            <a:r>
+              <a:rPr lang="en-US" sz="4000" dirty="0" smtClean="0">
+                <a:latin typeface="Times New Roman" pitchFamily="18" charset="0"/>
+                <a:cs typeface="Times New Roman" pitchFamily="18" charset="0"/>
+              </a:rPr>
+              <a:t>NTT-Gym Website</a:t>
             </a:r>
             <a:endParaRPr lang="en-US" sz="4000" dirty="0">
               <a:latin typeface="Times New Roman" pitchFamily="18" charset="0"/>
@@ -5376,8 +6954,8 @@
         </p:nvSpPr>
         <p:spPr>
           <a:xfrm>
-            <a:off x="1485900" y="1523999"/>
-            <a:ext cx="6781800" cy="830997"/>
+            <a:off x="1485900" y="1523998"/>
+            <a:ext cx="6781800" cy="2308324"/>
           </a:xfrm>
           <a:prstGeom prst="rect">
             <a:avLst/>
@@ -5394,13 +6972,10 @@
               <a:buFont typeface="Arial" pitchFamily="34" charset="0"/>
               <a:buChar char="•"/>
             </a:pPr>
-            <a:r>
-              <a:rPr lang="en-US" sz="2400" dirty="0" smtClean="0">
-                <a:latin typeface="Times New Roman" pitchFamily="18" charset="0"/>
-                <a:cs typeface="Times New Roman" pitchFamily="18" charset="0"/>
-              </a:rPr>
-              <a:t>Easy Navigation</a:t>
-            </a:r>
+            <a:endParaRPr lang="ro-RO" sz="2400" dirty="0" smtClean="0">
+              <a:latin typeface="Times New Roman" pitchFamily="18" charset="0"/>
+              <a:cs typeface="Times New Roman" pitchFamily="18" charset="0"/>
+            </a:endParaRPr>
           </a:p>
           <a:p>
             <a:pPr marL="285750" indent="-285750">
@@ -5408,13 +6983,66 @@
               <a:buChar char="•"/>
             </a:pPr>
             <a:r>
-              <a:rPr lang="en-US" sz="2400" dirty="0" smtClean="0">
+              <a:rPr lang="ro-RO" sz="2400" dirty="0" smtClean="0">
                 <a:latin typeface="Times New Roman" pitchFamily="18" charset="0"/>
                 <a:cs typeface="Times New Roman" pitchFamily="18" charset="0"/>
               </a:rPr>
-              <a:t>Friendly Admin/User Interface</a:t>
-            </a:r>
-            <a:endParaRPr lang="en-US" sz="2400" dirty="0">
+              <a:t>Web Application for a gym</a:t>
+            </a:r>
+          </a:p>
+          <a:p>
+            <a:pPr marL="285750" indent="-285750">
+              <a:buFont typeface="Arial" pitchFamily="34" charset="0"/>
+              <a:buChar char="•"/>
+            </a:pPr>
+            <a:endParaRPr lang="ro-RO" sz="2400" dirty="0" smtClean="0">
+              <a:latin typeface="Times New Roman" pitchFamily="18" charset="0"/>
+              <a:cs typeface="Times New Roman" pitchFamily="18" charset="0"/>
+            </a:endParaRPr>
+          </a:p>
+          <a:p>
+            <a:pPr marL="285750" indent="-285750">
+              <a:buFont typeface="Arial" pitchFamily="34" charset="0"/>
+              <a:buChar char="•"/>
+            </a:pPr>
+            <a:endParaRPr lang="ro-RO" sz="2400" dirty="0" smtClean="0">
+              <a:latin typeface="Times New Roman" pitchFamily="18" charset="0"/>
+              <a:cs typeface="Times New Roman" pitchFamily="18" charset="0"/>
+            </a:endParaRPr>
+          </a:p>
+          <a:p>
+            <a:pPr marL="285750" indent="-285750">
+              <a:buFont typeface="Arial" pitchFamily="34" charset="0"/>
+              <a:buChar char="•"/>
+            </a:pPr>
+            <a:r>
+              <a:rPr lang="ro-RO" sz="2400" dirty="0" smtClean="0">
+                <a:latin typeface="Times New Roman" pitchFamily="18" charset="0"/>
+                <a:cs typeface="Times New Roman" pitchFamily="18" charset="0"/>
+              </a:rPr>
+              <a:t>3 Parts: Admin – </a:t>
+            </a:r>
+            <a:r>
+              <a:rPr lang="ro-RO" sz="2400" dirty="0">
+                <a:latin typeface="Times New Roman" pitchFamily="18" charset="0"/>
+                <a:cs typeface="Times New Roman" pitchFamily="18" charset="0"/>
+              </a:rPr>
+              <a:t>Client – </a:t>
+            </a:r>
+            <a:r>
+              <a:rPr lang="ro-RO" sz="2400" dirty="0" smtClean="0">
+                <a:latin typeface="Times New Roman" pitchFamily="18" charset="0"/>
+                <a:cs typeface="Times New Roman" pitchFamily="18" charset="0"/>
+              </a:rPr>
+              <a:t>Email</a:t>
+            </a:r>
+          </a:p>
+          <a:p>
+            <a:pPr marL="285750" indent="-285750">
+              <a:buFont typeface="Arial" pitchFamily="34" charset="0"/>
+              <a:buChar char="•"/>
+            </a:pPr>
+            <a:endParaRPr lang="ro-RO" sz="2400" dirty="0" smtClean="0">
               <a:latin typeface="Times New Roman" pitchFamily="18" charset="0"/>
               <a:cs typeface="Times New Roman" pitchFamily="18" charset="0"/>
             </a:endParaRPr>
@@ -5612,11 +7240,139 @@
                 <a:latin typeface="Times New Roman" pitchFamily="18" charset="0"/>
                 <a:cs typeface="Times New Roman" pitchFamily="18" charset="0"/>
               </a:rPr>
-              <a:t>Task: Backend functionalities</a:t>
-            </a:r>
+              <a:t>Task</a:t>
+            </a:r>
+            <a:r>
+              <a:rPr lang="ro-RO" sz="4000" dirty="0" smtClean="0">
+                <a:latin typeface="Times New Roman" pitchFamily="18" charset="0"/>
+                <a:cs typeface="Times New Roman" pitchFamily="18" charset="0"/>
+              </a:rPr>
+              <a:t>s</a:t>
+            </a:r>
+            <a:r>
+              <a:rPr lang="en-US" sz="4000" dirty="0" smtClean="0">
+                <a:latin typeface="Times New Roman" pitchFamily="18" charset="0"/>
+                <a:cs typeface="Times New Roman" pitchFamily="18" charset="0"/>
+              </a:rPr>
+              <a:t>: </a:t>
+            </a:r>
+            <a:r>
+              <a:rPr lang="ro-RO" sz="4000" dirty="0" smtClean="0">
+                <a:latin typeface="Times New Roman" pitchFamily="18" charset="0"/>
+                <a:cs typeface="Times New Roman" pitchFamily="18" charset="0"/>
+              </a:rPr>
+              <a:t>Admin</a:t>
+            </a:r>
+            <a:endParaRPr lang="en-US" sz="4000" dirty="0" smtClean="0">
+              <a:latin typeface="Times New Roman" pitchFamily="18" charset="0"/>
+              <a:cs typeface="Times New Roman" pitchFamily="18" charset="0"/>
+            </a:endParaRPr>
           </a:p>
           <a:p>
             <a:endParaRPr lang="en-US" dirty="0"/>
+          </a:p>
+        </p:txBody>
+      </p:sp>
+      <p:sp>
+        <p:nvSpPr>
+          <p:cNvPr id="6" name="Content Placeholder 5"/>
+          <p:cNvSpPr>
+            <a:spLocks noGrp="1"/>
+          </p:cNvSpPr>
+          <p:nvPr>
+            <p:ph idx="1"/>
+          </p:nvPr>
+        </p:nvSpPr>
+        <p:spPr>
+          <a:xfrm>
+            <a:off x="914400" y="1600200"/>
+            <a:ext cx="7772400" cy="4525963"/>
+          </a:xfrm>
+        </p:spPr>
+        <p:txBody>
+          <a:bodyPr/>
+          <a:lstStyle/>
+          <a:p>
+            <a:r>
+              <a:rPr lang="ro-RO" dirty="0" smtClean="0">
+                <a:latin typeface="Times New Roman" pitchFamily="18" charset="0"/>
+                <a:cs typeface="Times New Roman" pitchFamily="18" charset="0"/>
+              </a:rPr>
+              <a:t>Managing:</a:t>
+            </a:r>
+          </a:p>
+          <a:p>
+            <a:pPr lvl="1"/>
+            <a:r>
+              <a:rPr lang="ro-RO" dirty="0">
+                <a:latin typeface="Times New Roman" pitchFamily="18" charset="0"/>
+                <a:cs typeface="Times New Roman" pitchFamily="18" charset="0"/>
+              </a:rPr>
+              <a:t>U</a:t>
+            </a:r>
+            <a:r>
+              <a:rPr lang="ro-RO" dirty="0" smtClean="0">
+                <a:latin typeface="Times New Roman" pitchFamily="18" charset="0"/>
+                <a:cs typeface="Times New Roman" pitchFamily="18" charset="0"/>
+              </a:rPr>
+              <a:t>sers </a:t>
+            </a:r>
+          </a:p>
+          <a:p>
+            <a:pPr lvl="1"/>
+            <a:r>
+              <a:rPr lang="ro-RO" dirty="0" smtClean="0">
+                <a:latin typeface="Times New Roman" pitchFamily="18" charset="0"/>
+                <a:cs typeface="Times New Roman" pitchFamily="18" charset="0"/>
+              </a:rPr>
+              <a:t>Subscriptions</a:t>
+            </a:r>
+          </a:p>
+          <a:p>
+            <a:pPr lvl="1"/>
+            <a:r>
+              <a:rPr lang="ro-RO" dirty="0" smtClean="0">
+                <a:latin typeface="Times New Roman" pitchFamily="18" charset="0"/>
+                <a:cs typeface="Times New Roman" pitchFamily="18" charset="0"/>
+              </a:rPr>
+              <a:t>Workouts</a:t>
+            </a:r>
+          </a:p>
+          <a:p>
+            <a:pPr lvl="1"/>
+            <a:r>
+              <a:rPr lang="ro-RO" dirty="0">
+                <a:latin typeface="Times New Roman" pitchFamily="18" charset="0"/>
+                <a:cs typeface="Times New Roman" pitchFamily="18" charset="0"/>
+              </a:rPr>
+              <a:t>R</a:t>
+            </a:r>
+            <a:r>
+              <a:rPr lang="ro-RO" dirty="0" smtClean="0">
+                <a:latin typeface="Times New Roman" pitchFamily="18" charset="0"/>
+                <a:cs typeface="Times New Roman" pitchFamily="18" charset="0"/>
+              </a:rPr>
+              <a:t>ooms </a:t>
+            </a:r>
+          </a:p>
+          <a:p>
+            <a:pPr lvl="1"/>
+            <a:r>
+              <a:rPr lang="ro-RO" dirty="0" smtClean="0">
+                <a:latin typeface="Times New Roman" pitchFamily="18" charset="0"/>
+                <a:cs typeface="Times New Roman" pitchFamily="18" charset="0"/>
+              </a:rPr>
+              <a:t>Timetable Entries</a:t>
+            </a:r>
+          </a:p>
+          <a:p>
+            <a:endParaRPr lang="ro-RO" dirty="0">
+              <a:latin typeface="Times New Roman" pitchFamily="18" charset="0"/>
+              <a:cs typeface="Times New Roman" pitchFamily="18" charset="0"/>
+            </a:endParaRPr>
+          </a:p>
+          <a:p>
+            <a:endParaRPr lang="ro-RO" dirty="0"/>
           </a:p>
         </p:txBody>
       </p:sp>
@@ -5792,7 +7548,7 @@
         </p:nvSpPr>
         <p:spPr>
           <a:xfrm>
-            <a:off x="1219200" y="560146"/>
+            <a:off x="1219200" y="553123"/>
             <a:ext cx="7162800" cy="707886"/>
           </a:xfrm>
           <a:prstGeom prst="rect">
@@ -5811,15 +7567,165 @@
                 <a:latin typeface="Times New Roman" pitchFamily="18" charset="0"/>
                 <a:cs typeface="Times New Roman" pitchFamily="18" charset="0"/>
               </a:rPr>
-              <a:t>Task: Frontend functionalities</a:t>
-            </a:r>
+              <a:t>Task</a:t>
+            </a:r>
+            <a:r>
+              <a:rPr lang="ro-RO" sz="4000" dirty="0" smtClean="0">
+                <a:latin typeface="Times New Roman" pitchFamily="18" charset="0"/>
+                <a:cs typeface="Times New Roman" pitchFamily="18" charset="0"/>
+              </a:rPr>
+              <a:t>s</a:t>
+            </a:r>
+            <a:r>
+              <a:rPr lang="en-US" sz="4000" dirty="0" smtClean="0">
+                <a:latin typeface="Times New Roman" pitchFamily="18" charset="0"/>
+                <a:cs typeface="Times New Roman" pitchFamily="18" charset="0"/>
+              </a:rPr>
+              <a:t>: </a:t>
+            </a:r>
+            <a:r>
+              <a:rPr lang="ro-RO" sz="4000" dirty="0" smtClean="0">
+                <a:latin typeface="Times New Roman" pitchFamily="18" charset="0"/>
+                <a:cs typeface="Times New Roman" pitchFamily="18" charset="0"/>
+              </a:rPr>
+              <a:t>Trainers</a:t>
+            </a:r>
+            <a:endParaRPr lang="en-US" dirty="0"/>
+          </a:p>
+        </p:txBody>
+      </p:sp>
+      <p:sp>
+        <p:nvSpPr>
+          <p:cNvPr id="6" name="Content Placeholder 5"/>
+          <p:cNvSpPr>
+            <a:spLocks noGrp="1"/>
+          </p:cNvSpPr>
+          <p:nvPr>
+            <p:ph idx="1"/>
+          </p:nvPr>
+        </p:nvSpPr>
+        <p:spPr>
+          <a:xfrm>
+            <a:off x="914400" y="1600200"/>
+            <a:ext cx="7772400" cy="4525963"/>
+          </a:xfrm>
+        </p:spPr>
+        <p:txBody>
+          <a:bodyPr/>
+          <a:lstStyle/>
+          <a:p>
+            <a:r>
+              <a:rPr lang="ro-RO" dirty="0" smtClean="0"/>
+              <a:t>A more restrictive Admin</a:t>
+            </a:r>
+          </a:p>
+          <a:p>
+            <a:r>
+              <a:rPr lang="ro-RO" dirty="0" smtClean="0">
+                <a:latin typeface="Times New Roman" pitchFamily="18" charset="0"/>
+                <a:cs typeface="Times New Roman" pitchFamily="18" charset="0"/>
+              </a:rPr>
+              <a:t>Managing:</a:t>
+            </a:r>
+          </a:p>
+          <a:p>
+            <a:pPr lvl="1"/>
+            <a:r>
+              <a:rPr lang="ro-RO" dirty="0" smtClean="0">
+                <a:latin typeface="Times New Roman" pitchFamily="18" charset="0"/>
+                <a:cs typeface="Times New Roman" pitchFamily="18" charset="0"/>
+              </a:rPr>
+              <a:t>Timetable Entries</a:t>
+            </a:r>
+          </a:p>
+          <a:p>
+            <a:pPr lvl="1"/>
+            <a:r>
+              <a:rPr lang="ro-RO" dirty="0" smtClean="0">
+                <a:latin typeface="Times New Roman" pitchFamily="18" charset="0"/>
+                <a:cs typeface="Times New Roman" pitchFamily="18" charset="0"/>
+              </a:rPr>
+              <a:t>Clients:</a:t>
+            </a:r>
+          </a:p>
+          <a:p>
+            <a:pPr lvl="2"/>
+            <a:r>
+              <a:rPr lang="ro-RO" dirty="0">
+                <a:latin typeface="Times New Roman" pitchFamily="18" charset="0"/>
+                <a:cs typeface="Times New Roman" pitchFamily="18" charset="0"/>
+              </a:rPr>
+              <a:t>R</a:t>
+            </a:r>
+            <a:r>
+              <a:rPr lang="ro-RO" dirty="0" smtClean="0">
+                <a:latin typeface="Times New Roman" pitchFamily="18" charset="0"/>
+                <a:cs typeface="Times New Roman" pitchFamily="18" charset="0"/>
+              </a:rPr>
+              <a:t>egistration</a:t>
+            </a:r>
+          </a:p>
+          <a:p>
+            <a:pPr lvl="2"/>
+            <a:r>
+              <a:rPr lang="ro-RO" dirty="0" smtClean="0">
+                <a:latin typeface="Times New Roman" pitchFamily="18" charset="0"/>
+                <a:cs typeface="Times New Roman" pitchFamily="18" charset="0"/>
+              </a:rPr>
+              <a:t>Managing </a:t>
+            </a:r>
+            <a:r>
+              <a:rPr lang="ro-RO" dirty="0">
+                <a:latin typeface="Times New Roman" pitchFamily="18" charset="0"/>
+                <a:cs typeface="Times New Roman" pitchFamily="18" charset="0"/>
+              </a:rPr>
+              <a:t>C</a:t>
+            </a:r>
+            <a:r>
+              <a:rPr lang="ro-RO" dirty="0" smtClean="0">
+                <a:latin typeface="Times New Roman" pitchFamily="18" charset="0"/>
+                <a:cs typeface="Times New Roman" pitchFamily="18" charset="0"/>
+              </a:rPr>
+              <a:t>lient </a:t>
+            </a:r>
+            <a:r>
+              <a:rPr lang="ro-RO" dirty="0">
+                <a:latin typeface="Times New Roman" pitchFamily="18" charset="0"/>
+                <a:cs typeface="Times New Roman" pitchFamily="18" charset="0"/>
+              </a:rPr>
+              <a:t>S</a:t>
+            </a:r>
+            <a:r>
+              <a:rPr lang="ro-RO" dirty="0" smtClean="0">
+                <a:latin typeface="Times New Roman" pitchFamily="18" charset="0"/>
+                <a:cs typeface="Times New Roman" pitchFamily="18" charset="0"/>
+              </a:rPr>
+              <a:t>ubscriptions</a:t>
+            </a:r>
+          </a:p>
+          <a:p>
+            <a:pPr lvl="2"/>
+            <a:r>
+              <a:rPr lang="ro-RO" dirty="0" smtClean="0">
+                <a:latin typeface="Times New Roman" pitchFamily="18" charset="0"/>
+                <a:cs typeface="Times New Roman" pitchFamily="18" charset="0"/>
+              </a:rPr>
+              <a:t>Managing Schedule</a:t>
+            </a:r>
+            <a:endParaRPr lang="ro-RO" dirty="0">
+              <a:latin typeface="Times New Roman" pitchFamily="18" charset="0"/>
+              <a:cs typeface="Times New Roman" pitchFamily="18" charset="0"/>
+            </a:endParaRPr>
+          </a:p>
+          <a:p>
+            <a:endParaRPr lang="ro-RO" dirty="0"/>
           </a:p>
         </p:txBody>
       </p:sp>
     </p:spTree>
     <p:extLst>
       <p:ext uri="{BB962C8B-B14F-4D97-AF65-F5344CB8AC3E}">
-        <p14:creationId xmlns:p14="http://schemas.microsoft.com/office/powerpoint/2010/main" val="1945441965"/>
+        <p14:creationId xmlns:p14="http://schemas.microsoft.com/office/powerpoint/2010/main" val="3739292333"/>
       </p:ext>
     </p:extLst>
   </p:cSld>
@@ -5980,10 +7886,110 @@
           </a:extLst>
         </p:spPr>
       </p:pic>
+      <p:sp>
+        <p:nvSpPr>
+          <p:cNvPr id="2" name="TextBox 1"/>
+          <p:cNvSpPr txBox="1"/>
+          <p:nvPr/>
+        </p:nvSpPr>
+        <p:spPr>
+          <a:xfrm>
+            <a:off x="1219200" y="553123"/>
+            <a:ext cx="7162800" cy="707886"/>
+          </a:xfrm>
+          <a:prstGeom prst="rect">
+            <a:avLst/>
+          </a:prstGeom>
+          <a:noFill/>
+        </p:spPr>
+        <p:txBody>
+          <a:bodyPr wrap="square" rtlCol="0">
+            <a:spAutoFit/>
+          </a:bodyPr>
+          <a:lstStyle/>
+          <a:p>
+            <a:r>
+              <a:rPr lang="en-US" sz="4000" dirty="0" smtClean="0">
+                <a:latin typeface="Times New Roman" pitchFamily="18" charset="0"/>
+                <a:cs typeface="Times New Roman" pitchFamily="18" charset="0"/>
+              </a:rPr>
+              <a:t>Task</a:t>
+            </a:r>
+            <a:r>
+              <a:rPr lang="ro-RO" sz="4000" dirty="0" smtClean="0">
+                <a:latin typeface="Times New Roman" pitchFamily="18" charset="0"/>
+                <a:cs typeface="Times New Roman" pitchFamily="18" charset="0"/>
+              </a:rPr>
+              <a:t>s</a:t>
+            </a:r>
+            <a:r>
+              <a:rPr lang="en-US" sz="4000" dirty="0" smtClean="0">
+                <a:latin typeface="Times New Roman" pitchFamily="18" charset="0"/>
+                <a:cs typeface="Times New Roman" pitchFamily="18" charset="0"/>
+              </a:rPr>
+              <a:t>: </a:t>
+            </a:r>
+            <a:r>
+              <a:rPr lang="ro-RO" sz="4000" dirty="0" smtClean="0">
+                <a:latin typeface="Times New Roman" pitchFamily="18" charset="0"/>
+                <a:cs typeface="Times New Roman" pitchFamily="18" charset="0"/>
+              </a:rPr>
+              <a:t>Clients</a:t>
+            </a:r>
+            <a:endParaRPr lang="en-US" dirty="0"/>
+          </a:p>
+        </p:txBody>
+      </p:sp>
+      <p:sp>
+        <p:nvSpPr>
+          <p:cNvPr id="6" name="Content Placeholder 5"/>
+          <p:cNvSpPr>
+            <a:spLocks noGrp="1"/>
+          </p:cNvSpPr>
+          <p:nvPr>
+            <p:ph idx="1"/>
+          </p:nvPr>
+        </p:nvSpPr>
+        <p:spPr>
+          <a:xfrm>
+            <a:off x="914400" y="1600200"/>
+            <a:ext cx="7772400" cy="4525963"/>
+          </a:xfrm>
+        </p:spPr>
+        <p:txBody>
+          <a:bodyPr/>
+          <a:lstStyle/>
+          <a:p>
+            <a:r>
+              <a:rPr lang="ro-RO" dirty="0" smtClean="0"/>
+              <a:t>Overview of Trainers &amp; Subscriptions</a:t>
+            </a:r>
+          </a:p>
+          <a:p>
+            <a:endParaRPr lang="ro-RO" dirty="0" smtClean="0"/>
+          </a:p>
+          <a:p>
+            <a:r>
+              <a:rPr lang="ro-RO" dirty="0" smtClean="0"/>
+              <a:t>Rating</a:t>
+            </a:r>
+          </a:p>
+          <a:p>
+            <a:endParaRPr lang="ro-RO" dirty="0" smtClean="0"/>
+          </a:p>
+          <a:p>
+            <a:r>
+              <a:rPr lang="ro-RO" dirty="0" smtClean="0"/>
+              <a:t>Schedule Management</a:t>
+            </a:r>
+            <a:endParaRPr lang="ro-RO" dirty="0"/>
+          </a:p>
+        </p:txBody>
+      </p:sp>
     </p:spTree>
     <p:extLst>
       <p:ext uri="{BB962C8B-B14F-4D97-AF65-F5344CB8AC3E}">
-        <p14:creationId xmlns:p14="http://schemas.microsoft.com/office/powerpoint/2010/main" val="3755635420"/>
+        <p14:creationId xmlns:p14="http://schemas.microsoft.com/office/powerpoint/2010/main" val="2790081100"/>
       </p:ext>
     </p:extLst>
   </p:cSld>
@@ -6089,7 +8095,7 @@
         <p:spPr>
           <a:xfrm>
             <a:off x="571500" y="914400"/>
-            <a:ext cx="2590800" cy="4031873"/>
+            <a:ext cx="2590800" cy="4401205"/>
           </a:xfrm>
           <a:prstGeom prst="rect">
             <a:avLst/>
@@ -6139,10 +8145,18 @@
                 <a:latin typeface="Times New Roman" pitchFamily="18" charset="0"/>
                 <a:cs typeface="Times New Roman" pitchFamily="18" charset="0"/>
               </a:rPr>
-              <a:t>Our Approach</a:t>
-            </a:r>
-          </a:p>
-          <a:p>
+              <a:t>Our </a:t>
+            </a:r>
+            <a:r>
+              <a:rPr lang="en-US" sz="3200" b="1" dirty="0" smtClean="0">
+                <a:solidFill>
+                  <a:schemeClr val="bg1"/>
+                </a:solidFill>
+                <a:latin typeface="Times New Roman" pitchFamily="18" charset="0"/>
+                <a:cs typeface="Times New Roman" pitchFamily="18" charset="0"/>
+              </a:rPr>
+              <a:t>Approach</a:t>
+            </a:r>
             <a:endParaRPr lang="en-US" sz="2400" dirty="0" smtClean="0">
               <a:solidFill>
                 <a:schemeClr val="bg1"/>
@@ -6152,22 +8166,6 @@
             </a:endParaRPr>
           </a:p>
           <a:p>
-            <a:pPr marL="457200" indent="-457200">
-              <a:buFont typeface="Arial" pitchFamily="34" charset="0"/>
-              <a:buChar char="•"/>
-            </a:pPr>
-            <a:r>
-              <a:rPr lang="en-US" sz="2400" dirty="0" smtClean="0">
-                <a:solidFill>
-                  <a:schemeClr val="bg1"/>
-                </a:solidFill>
-                <a:latin typeface="Times New Roman" pitchFamily="18" charset="0"/>
-                <a:cs typeface="Times New Roman" pitchFamily="18" charset="0"/>
-              </a:rPr>
-              <a:t>Our Solution</a:t>
-            </a:r>
-          </a:p>
-          <a:p>
             <a:endParaRPr lang="en-US" sz="2400" dirty="0" smtClean="0">
               <a:solidFill>
                 <a:schemeClr val="bg1"/>
@@ -6216,6 +8214,55 @@
               </a:rPr>
               <a:t>Summary</a:t>
             </a:r>
+            <a:endParaRPr lang="ro-RO" sz="2400" dirty="0">
+              <a:solidFill>
+                <a:schemeClr val="bg1"/>
+              </a:solidFill>
+              <a:latin typeface="Times New Roman" pitchFamily="18" charset="0"/>
+              <a:cs typeface="Times New Roman" pitchFamily="18" charset="0"/>
+            </a:endParaRPr>
+          </a:p>
+          <a:p>
+            <a:pPr marL="457200" indent="-457200">
+              <a:buFont typeface="Arial" pitchFamily="34" charset="0"/>
+              <a:buChar char="•"/>
+            </a:pPr>
+            <a:endParaRPr lang="ro-RO" sz="2400" dirty="0">
+              <a:solidFill>
+                <a:schemeClr val="bg1"/>
+              </a:solidFill>
+              <a:latin typeface="Times New Roman" pitchFamily="18" charset="0"/>
+              <a:cs typeface="Times New Roman" pitchFamily="18" charset="0"/>
+            </a:endParaRPr>
+          </a:p>
+          <a:p>
+            <a:pPr marL="457200" indent="-457200">
+              <a:buFont typeface="Arial" pitchFamily="34" charset="0"/>
+              <a:buChar char="•"/>
+            </a:pPr>
+            <a:r>
+              <a:rPr lang="ro-RO" sz="2400" dirty="0">
+                <a:solidFill>
+                  <a:schemeClr val="bg1"/>
+                </a:solidFill>
+                <a:latin typeface="Times New Roman" pitchFamily="18" charset="0"/>
+                <a:cs typeface="Times New Roman" pitchFamily="18" charset="0"/>
+              </a:rPr>
+              <a:t>Future Work</a:t>
+            </a:r>
+            <a:endParaRPr lang="en-US" sz="2400" dirty="0">
+              <a:solidFill>
+                <a:schemeClr val="bg1"/>
+              </a:solidFill>
+              <a:latin typeface="Times New Roman" pitchFamily="18" charset="0"/>
+              <a:cs typeface="Times New Roman" pitchFamily="18" charset="0"/>
+            </a:endParaRPr>
+          </a:p>
+          <a:p>
+            <a:pPr marL="457200" indent="-457200">
+              <a:buFont typeface="Arial" pitchFamily="34" charset="0"/>
+              <a:buChar char="•"/>
+            </a:pPr>
             <a:endParaRPr lang="en-US" sz="2400" dirty="0">
               <a:solidFill>
                 <a:schemeClr val="bg1"/>
@@ -6388,6 +8435,58 @@
               </a14:hiddenFill>
             </a:ext>
           </a:extLst>
+        </p:spPr>
+      </p:pic>
+      <p:sp>
+        <p:nvSpPr>
+          <p:cNvPr id="2" name="Title 1"/>
+          <p:cNvSpPr>
+            <a:spLocks noGrp="1"/>
+          </p:cNvSpPr>
+          <p:nvPr>
+            <p:ph type="title"/>
+          </p:nvPr>
+        </p:nvSpPr>
+        <p:spPr/>
+        <p:txBody>
+          <a:bodyPr/>
+          <a:lstStyle/>
+          <a:p>
+            <a:r>
+              <a:rPr lang="ro-RO" dirty="0" smtClean="0"/>
+              <a:t>3 Tier Architecture</a:t>
+            </a:r>
+            <a:endParaRPr lang="ro-RO" dirty="0"/>
+          </a:p>
+        </p:txBody>
+      </p:sp>
+      <p:pic>
+        <p:nvPicPr>
+          <p:cNvPr id="6" name="Content Placeholder 5"/>
+          <p:cNvPicPr>
+            <a:picLocks noGrp="1" noChangeAspect="1"/>
+          </p:cNvPicPr>
+          <p:nvPr>
+            <p:ph idx="1"/>
+          </p:nvPr>
+        </p:nvPicPr>
+        <p:blipFill>
+          <a:blip r:embed="rId3">
+            <a:extLst>
+              <a:ext uri="{28A0092B-C50C-407E-A947-70E740481C1C}">
+                <a14:useLocalDpi xmlns:a14="http://schemas.microsoft.com/office/drawing/2010/main" val="0"/>
+              </a:ext>
+            </a:extLst>
+          </a:blip>
+          <a:stretch>
+            <a:fillRect/>
+          </a:stretch>
+        </p:blipFill>
+        <p:spPr>
+          <a:xfrm>
+            <a:off x="1676400" y="1371600"/>
+            <a:ext cx="6591699" cy="5207442"/>
+          </a:xfrm>
         </p:spPr>
       </p:pic>
     </p:spTree>
